--- a/presentations/90-rmcat-adaptive-fec.pptx
+++ b/presentations/90-rmcat-adaptive-fec.pptx
@@ -5,25 +5,26 @@
     <p:sldMasterId id="2147483648" r:id="rId1"/>
   </p:sldMasterIdLst>
   <p:notesMasterIdLst>
-    <p:notesMasterId r:id="rId18"/>
+    <p:notesMasterId r:id="rId19"/>
   </p:notesMasterIdLst>
   <p:sldIdLst>
     <p:sldId id="256" r:id="rId2"/>
     <p:sldId id="263" r:id="rId3"/>
-    <p:sldId id="259" r:id="rId4"/>
-    <p:sldId id="262" r:id="rId5"/>
-    <p:sldId id="261" r:id="rId6"/>
-    <p:sldId id="257" r:id="rId7"/>
-    <p:sldId id="260" r:id="rId8"/>
-    <p:sldId id="264" r:id="rId9"/>
-    <p:sldId id="265" r:id="rId10"/>
-    <p:sldId id="258" r:id="rId11"/>
-    <p:sldId id="267" r:id="rId12"/>
-    <p:sldId id="269" r:id="rId13"/>
-    <p:sldId id="270" r:id="rId14"/>
-    <p:sldId id="272" r:id="rId15"/>
-    <p:sldId id="268" r:id="rId16"/>
-    <p:sldId id="271" r:id="rId17"/>
+    <p:sldId id="273" r:id="rId4"/>
+    <p:sldId id="259" r:id="rId5"/>
+    <p:sldId id="262" r:id="rId6"/>
+    <p:sldId id="261" r:id="rId7"/>
+    <p:sldId id="257" r:id="rId8"/>
+    <p:sldId id="260" r:id="rId9"/>
+    <p:sldId id="264" r:id="rId10"/>
+    <p:sldId id="265" r:id="rId11"/>
+    <p:sldId id="258" r:id="rId12"/>
+    <p:sldId id="267" r:id="rId13"/>
+    <p:sldId id="269" r:id="rId14"/>
+    <p:sldId id="270" r:id="rId15"/>
+    <p:sldId id="272" r:id="rId16"/>
+    <p:sldId id="268" r:id="rId17"/>
+    <p:sldId id="271" r:id="rId18"/>
   </p:sldIdLst>
   <p:sldSz cx="9144000" cy="6858000" type="screen4x3"/>
   <p:notesSz cx="6858000" cy="9144000"/>
@@ -570,7 +571,7 @@
           <a:p>
             <a:fld id="{DA445989-E8BA-5747-9858-731D54A39373}" type="slidenum">
               <a:rPr lang="en-US" smtClean="0"/>
-              <a:t>11</a:t>
+              <a:t>12</a:t>
             </a:fld>
             <a:endParaRPr lang="en-US"/>
           </a:p>
@@ -684,7 +685,7 @@
           <a:p>
             <a:fld id="{DA445989-E8BA-5747-9858-731D54A39373}" type="slidenum">
               <a:rPr lang="en-US" smtClean="0"/>
-              <a:t>15</a:t>
+              <a:t>16</a:t>
             </a:fld>
             <a:endParaRPr lang="en-US"/>
           </a:p>
@@ -3855,7 +3856,7 @@
           <a:p>
             <a:r>
               <a:rPr lang="en-US" dirty="0" smtClean="0"/>
-              <a:t>Next steps</a:t>
+              <a:t>Applicability</a:t>
             </a:r>
             <a:endParaRPr lang="en-US" dirty="0"/>
           </a:p>
@@ -3873,108 +3874,116 @@
         </p:nvSpPr>
         <p:spPr/>
         <p:txBody>
-          <a:bodyPr>
-            <a:normAutofit fontScale="92500" lnSpcReduction="10000"/>
+          <a:bodyPr/>
+          <a:lstStyle/>
+          <a:p>
+            <a:r>
+              <a:rPr lang="en-US" dirty="0" smtClean="0"/>
+              <a:t>Implemented over a delay-based congestion control</a:t>
+            </a:r>
+          </a:p>
+          <a:p>
+            <a:pPr lvl="1"/>
+            <a:r>
+              <a:rPr lang="en-US" dirty="0" smtClean="0"/>
+              <a:t>See paper for details</a:t>
+            </a:r>
+          </a:p>
+          <a:p>
+            <a:endParaRPr lang="en-US" dirty="0"/>
+          </a:p>
+          <a:p>
+            <a:r>
+              <a:rPr lang="en-US" dirty="0" smtClean="0"/>
+              <a:t>However would like to generalize it.</a:t>
+            </a:r>
+          </a:p>
+          <a:p>
+            <a:pPr lvl="1"/>
+            <a:r>
+              <a:rPr lang="en-US" dirty="0" smtClean="0"/>
+              <a:t>Apply to </a:t>
+            </a:r>
+            <a:r>
+              <a:rPr lang="en-US" dirty="0" err="1" smtClean="0"/>
+              <a:t>SCReAM</a:t>
+            </a:r>
+            <a:r>
+              <a:rPr lang="en-US" dirty="0" smtClean="0"/>
+              <a:t>, GCC, …</a:t>
+            </a:r>
+            <a:endParaRPr lang="en-US" dirty="0"/>
+          </a:p>
+        </p:txBody>
+      </p:sp>
+      <p:sp>
+        <p:nvSpPr>
+          <p:cNvPr id="4" name="Rectangle 3"/>
+          <p:cNvSpPr/>
+          <p:nvPr/>
+        </p:nvSpPr>
+        <p:spPr>
+          <a:xfrm>
+            <a:off x="1126315" y="6366271"/>
+            <a:ext cx="8017685" cy="461665"/>
+          </a:xfrm>
+          <a:prstGeom prst="rect">
+            <a:avLst/>
+          </a:prstGeom>
+        </p:spPr>
+        <p:txBody>
+          <a:bodyPr wrap="square">
+            <a:spAutoFit/>
           </a:bodyPr>
           <a:lstStyle/>
           <a:p>
-            <a:r>
-              <a:rPr lang="en-US" dirty="0" smtClean="0"/>
-              <a:t>Code: (coming soon)</a:t>
-            </a:r>
-          </a:p>
-          <a:p>
             <a:pPr lvl="1"/>
             <a:r>
-              <a:rPr lang="sv-SE" sz="1800" dirty="0" smtClean="0">
-                <a:hlinkClick r:id="rId2"/>
+              <a:rPr lang="en-US" sz="1200" dirty="0"/>
+              <a:t>Nagy M., Singh V., </a:t>
+            </a:r>
+            <a:r>
+              <a:rPr lang="en-US" sz="1200" dirty="0" err="1"/>
+              <a:t>Ott</a:t>
+            </a:r>
+            <a:r>
+              <a:rPr lang="en-US" sz="1200" dirty="0"/>
+              <a:t> J., </a:t>
+            </a:r>
+            <a:r>
+              <a:rPr lang="en-US" sz="1200" dirty="0" err="1"/>
+              <a:t>Eggert</a:t>
+            </a:r>
+            <a:r>
+              <a:rPr lang="en-US" sz="1200" dirty="0"/>
+              <a:t> L., </a:t>
+            </a:r>
+            <a:r>
+              <a:rPr lang="en-US" sz="1200" dirty="0">
+                <a:latin typeface="Consolas"/>
+                <a:cs typeface="Consolas"/>
               </a:rPr>
-              <a:t>https://github.com/protocols-comnet/rmcat-adaptive-fec-code</a:t>
-            </a:r>
-            <a:r>
-              <a:rPr lang="sv-SE" dirty="0" smtClean="0"/>
-              <a:t> </a:t>
-            </a:r>
-          </a:p>
-          <a:p>
-            <a:endParaRPr lang="en-US" dirty="0" smtClean="0"/>
-          </a:p>
-          <a:p>
-            <a:r>
-              <a:rPr lang="en-US" dirty="0" smtClean="0"/>
-              <a:t>Evaluation </a:t>
-            </a:r>
-            <a:r>
-              <a:rPr lang="en-US" dirty="0" smtClean="0"/>
-              <a:t>Paper:</a:t>
-            </a:r>
-          </a:p>
-          <a:p>
-            <a:pPr lvl="1"/>
-            <a:r>
-              <a:rPr lang="en-US" sz="1600" dirty="0" smtClean="0"/>
-              <a:t>Nagy M., Singh V., </a:t>
-            </a:r>
-            <a:r>
-              <a:rPr lang="en-US" sz="1600" dirty="0" err="1" smtClean="0"/>
-              <a:t>Ott</a:t>
-            </a:r>
-            <a:r>
-              <a:rPr lang="en-US" sz="1600" dirty="0" smtClean="0"/>
-              <a:t> J., </a:t>
-            </a:r>
-            <a:r>
-              <a:rPr lang="en-US" sz="1600" dirty="0" err="1" smtClean="0"/>
-              <a:t>Eggert</a:t>
-            </a:r>
-            <a:r>
-              <a:rPr lang="en-US" sz="1600" dirty="0" smtClean="0"/>
-              <a:t> L., Congestion Control using FEC for Conversational Multimedia Communication, Proc. of ACM Multimedia Systems, Singapore, SG, Mar, 2014,</a:t>
-            </a:r>
-            <a:endParaRPr lang="en-US" dirty="0" smtClean="0"/>
-          </a:p>
-          <a:p>
-            <a:pPr lvl="8"/>
-            <a:endParaRPr lang="en-US" dirty="0" smtClean="0"/>
-          </a:p>
-          <a:p>
-            <a:r>
-              <a:rPr lang="en-US" dirty="0" smtClean="0"/>
-              <a:t>Initial comments received from </a:t>
-            </a:r>
-            <a:r>
-              <a:rPr lang="en-US" dirty="0" err="1" smtClean="0"/>
-              <a:t>Ingemar</a:t>
-            </a:r>
-            <a:r>
-              <a:rPr lang="en-US" dirty="0" smtClean="0"/>
-              <a:t> Johansson</a:t>
-            </a:r>
-          </a:p>
-          <a:p>
-            <a:pPr lvl="1"/>
-            <a:r>
-              <a:rPr lang="en-US" dirty="0" smtClean="0"/>
-              <a:t>More feedback is appreciated </a:t>
-            </a:r>
-            <a:r>
-              <a:rPr lang="en-US" dirty="0" smtClean="0">
-                <a:sym typeface="Wingdings"/>
+              <a:t>Congestion Control using FEC for Conversational </a:t>
+            </a:r>
+            <a:r>
+              <a:rPr lang="en-US" sz="1200" dirty="0" smtClean="0">
+                <a:latin typeface="Consolas"/>
+                <a:cs typeface="Consolas"/>
               </a:rPr>
-              <a:t></a:t>
-            </a:r>
-            <a:endParaRPr lang="en-US" dirty="0" smtClean="0"/>
-          </a:p>
-          <a:p>
-            <a:pPr lvl="1"/>
-            <a:endParaRPr lang="en-US" dirty="0"/>
+              <a:t>Multimedia Communication</a:t>
+            </a:r>
+            <a:r>
+              <a:rPr lang="en-US" sz="1200" dirty="0"/>
+              <a:t>, Proc. of ACM Multimedia Systems, Singapore, SG, Mar, 2014,</a:t>
+            </a:r>
+            <a:endParaRPr lang="en-US" sz="1400" dirty="0"/>
           </a:p>
         </p:txBody>
       </p:sp>
     </p:spTree>
     <p:extLst>
       <p:ext uri="{BB962C8B-B14F-4D97-AF65-F5344CB8AC3E}">
-        <p14:creationId xmlns:p14="http://schemas.microsoft.com/office/powerpoint/2010/main" val="471850459"/>
+        <p14:creationId xmlns:p14="http://schemas.microsoft.com/office/powerpoint/2010/main" val="1187535467"/>
       </p:ext>
     </p:extLst>
   </p:cSld>
@@ -4003,6 +4012,165 @@
       </p:grpSpPr>
       <p:sp>
         <p:nvSpPr>
+          <p:cNvPr id="2" name="Title 1"/>
+          <p:cNvSpPr>
+            <a:spLocks noGrp="1"/>
+          </p:cNvSpPr>
+          <p:nvPr>
+            <p:ph type="title"/>
+          </p:nvPr>
+        </p:nvSpPr>
+        <p:spPr/>
+        <p:txBody>
+          <a:bodyPr/>
+          <a:lstStyle/>
+          <a:p>
+            <a:r>
+              <a:rPr lang="en-US" dirty="0" smtClean="0"/>
+              <a:t>Next steps</a:t>
+            </a:r>
+            <a:endParaRPr lang="en-US" dirty="0"/>
+          </a:p>
+        </p:txBody>
+      </p:sp>
+      <p:sp>
+        <p:nvSpPr>
+          <p:cNvPr id="3" name="Content Placeholder 2"/>
+          <p:cNvSpPr>
+            <a:spLocks noGrp="1"/>
+          </p:cNvSpPr>
+          <p:nvPr>
+            <p:ph idx="1"/>
+          </p:nvPr>
+        </p:nvSpPr>
+        <p:spPr/>
+        <p:txBody>
+          <a:bodyPr>
+            <a:normAutofit fontScale="92500" lnSpcReduction="10000"/>
+          </a:bodyPr>
+          <a:lstStyle/>
+          <a:p>
+            <a:r>
+              <a:rPr lang="en-US" dirty="0" smtClean="0"/>
+              <a:t>Code: (coming soon)</a:t>
+            </a:r>
+          </a:p>
+          <a:p>
+            <a:pPr lvl="1"/>
+            <a:r>
+              <a:rPr lang="sv-SE" sz="1800" dirty="0" smtClean="0">
+                <a:hlinkClick r:id="rId2"/>
+              </a:rPr>
+              <a:t>https://github.com/protocols-comnet/rmcat-adaptive-fec-code</a:t>
+            </a:r>
+            <a:r>
+              <a:rPr lang="sv-SE" dirty="0" smtClean="0"/>
+              <a:t> </a:t>
+            </a:r>
+          </a:p>
+          <a:p>
+            <a:endParaRPr lang="en-US" dirty="0" smtClean="0"/>
+          </a:p>
+          <a:p>
+            <a:r>
+              <a:rPr lang="en-US" dirty="0" smtClean="0"/>
+              <a:t>Evaluation Paper:</a:t>
+            </a:r>
+          </a:p>
+          <a:p>
+            <a:pPr lvl="1"/>
+            <a:r>
+              <a:rPr lang="en-US" sz="1600" dirty="0" smtClean="0"/>
+              <a:t>Nagy M., Singh V., </a:t>
+            </a:r>
+            <a:r>
+              <a:rPr lang="en-US" sz="1600" dirty="0" err="1" smtClean="0"/>
+              <a:t>Ott</a:t>
+            </a:r>
+            <a:r>
+              <a:rPr lang="en-US" sz="1600" dirty="0" smtClean="0"/>
+              <a:t> J., </a:t>
+            </a:r>
+            <a:r>
+              <a:rPr lang="en-US" sz="1600" dirty="0" err="1" smtClean="0"/>
+              <a:t>Eggert</a:t>
+            </a:r>
+            <a:r>
+              <a:rPr lang="en-US" sz="1600" dirty="0" smtClean="0"/>
+              <a:t> L., Congestion Control using FEC for Conversational Multimedia Communication, Proc. of ACM Multimedia Systems, Singapore, SG, Mar, 2014,</a:t>
+            </a:r>
+            <a:endParaRPr lang="en-US" dirty="0" smtClean="0"/>
+          </a:p>
+          <a:p>
+            <a:pPr lvl="8"/>
+            <a:endParaRPr lang="en-US" dirty="0" smtClean="0"/>
+          </a:p>
+          <a:p>
+            <a:r>
+              <a:rPr lang="en-US" dirty="0" smtClean="0"/>
+              <a:t>Initial comments received from </a:t>
+            </a:r>
+            <a:r>
+              <a:rPr lang="en-US" dirty="0" err="1" smtClean="0"/>
+              <a:t>Ingemar</a:t>
+            </a:r>
+            <a:r>
+              <a:rPr lang="en-US" dirty="0" smtClean="0"/>
+              <a:t> Johansson</a:t>
+            </a:r>
+          </a:p>
+          <a:p>
+            <a:pPr lvl="1"/>
+            <a:r>
+              <a:rPr lang="en-US" dirty="0" smtClean="0"/>
+              <a:t>More feedback is appreciated </a:t>
+            </a:r>
+            <a:r>
+              <a:rPr lang="en-US" dirty="0" smtClean="0">
+                <a:sym typeface="Wingdings"/>
+              </a:rPr>
+              <a:t></a:t>
+            </a:r>
+            <a:endParaRPr lang="en-US" dirty="0" smtClean="0"/>
+          </a:p>
+          <a:p>
+            <a:pPr lvl="1"/>
+            <a:endParaRPr lang="en-US" dirty="0"/>
+          </a:p>
+        </p:txBody>
+      </p:sp>
+    </p:spTree>
+    <p:extLst>
+      <p:ext uri="{BB962C8B-B14F-4D97-AF65-F5344CB8AC3E}">
+        <p14:creationId xmlns:p14="http://schemas.microsoft.com/office/powerpoint/2010/main" val="471850459"/>
+      </p:ext>
+    </p:extLst>
+  </p:cSld>
+  <p:clrMapOvr>
+    <a:masterClrMapping/>
+  </p:clrMapOvr>
+</p:sld>
+</file>
+
+<file path=ppt/slides/slide12.xml><?xml version="1.0" encoding="utf-8"?>
+<p:sld xmlns:a="http://schemas.openxmlformats.org/drawingml/2006/main" xmlns:r="http://schemas.openxmlformats.org/officeDocument/2006/relationships" xmlns:p="http://schemas.openxmlformats.org/presentationml/2006/main">
+  <p:cSld>
+    <p:spTree>
+      <p:nvGrpSpPr>
+        <p:cNvPr id="1" name=""/>
+        <p:cNvGrpSpPr/>
+        <p:nvPr/>
+      </p:nvGrpSpPr>
+      <p:grpSpPr>
+        <a:xfrm>
+          <a:off x="0" y="0"/>
+          <a:ext cx="0" cy="0"/>
+          <a:chOff x="0" y="0"/>
+          <a:chExt cx="0" cy="0"/>
+        </a:xfrm>
+      </p:grpSpPr>
+      <p:sp>
+        <p:nvSpPr>
           <p:cNvPr id="4" name="Title 3"/>
           <p:cNvSpPr>
             <a:spLocks noGrp="1"/>
@@ -4053,23 +4221,7 @@
             </a:pPr>
             <a:r>
               <a:rPr lang="en-US" dirty="0" smtClean="0"/>
-              <a:t>Ns-2 </a:t>
-            </a:r>
-            <a:r>
-              <a:rPr lang="en-US" dirty="0" smtClean="0"/>
-              <a:t>simulation, Variable </a:t>
-            </a:r>
-            <a:r>
-              <a:rPr lang="en-US" dirty="0" smtClean="0"/>
-              <a:t>link </a:t>
-            </a:r>
-            <a:r>
-              <a:rPr lang="en-US" dirty="0" smtClean="0"/>
-              <a:t>capacity, Single flow </a:t>
-            </a:r>
-            <a:r>
-              <a:rPr lang="en-US" dirty="0" smtClean="0"/>
-              <a:t>on the link</a:t>
+              <a:t>Ns-2 simulation, Variable link capacity, Single flow on the link</a:t>
             </a:r>
             <a:endParaRPr lang="en-US" dirty="0"/>
           </a:p>
@@ -4163,131 +4315,6 @@
 </p:sld>
 </file>
 
-<file path=ppt/slides/slide12.xml><?xml version="1.0" encoding="utf-8"?>
-<p:sld xmlns:a="http://schemas.openxmlformats.org/drawingml/2006/main" xmlns:r="http://schemas.openxmlformats.org/officeDocument/2006/relationships" xmlns:p="http://schemas.openxmlformats.org/presentationml/2006/main">
-  <p:cSld>
-    <p:spTree>
-      <p:nvGrpSpPr>
-        <p:cNvPr id="1" name=""/>
-        <p:cNvGrpSpPr/>
-        <p:nvPr/>
-      </p:nvGrpSpPr>
-      <p:grpSpPr>
-        <a:xfrm>
-          <a:off x="0" y="0"/>
-          <a:ext cx="0" cy="0"/>
-          <a:chOff x="0" y="0"/>
-          <a:chExt cx="0" cy="0"/>
-        </a:xfrm>
-      </p:grpSpPr>
-      <p:sp>
-        <p:nvSpPr>
-          <p:cNvPr id="2" name="Title 1"/>
-          <p:cNvSpPr>
-            <a:spLocks noGrp="1"/>
-          </p:cNvSpPr>
-          <p:nvPr>
-            <p:ph type="title"/>
-          </p:nvPr>
-        </p:nvSpPr>
-        <p:spPr/>
-        <p:txBody>
-          <a:bodyPr/>
-          <a:lstStyle/>
-          <a:p>
-            <a:r>
-              <a:rPr lang="en-US" dirty="0"/>
-              <a:t>Evaluation </a:t>
-            </a:r>
-            <a:r>
-              <a:rPr lang="en-US" dirty="0" smtClean="0"/>
-              <a:t>(2/3)</a:t>
-            </a:r>
-            <a:endParaRPr lang="en-US" dirty="0"/>
-          </a:p>
-        </p:txBody>
-      </p:sp>
-      <p:pic>
-        <p:nvPicPr>
-          <p:cNvPr id="3" name="Picture 2" descr="ns-var-100ms-2.pdf"/>
-          <p:cNvPicPr>
-            <a:picLocks noChangeAspect="1"/>
-          </p:cNvPicPr>
-          <p:nvPr/>
-        </p:nvPicPr>
-        <p:blipFill>
-          <a:blip r:embed="rId2">
-            <a:extLst>
-              <a:ext uri="{28A0092B-C50C-407E-A947-70E740481C1C}">
-                <a14:useLocalDpi xmlns:a14="http://schemas.microsoft.com/office/drawing/2010/main" val="0"/>
-              </a:ext>
-            </a:extLst>
-          </a:blip>
-          <a:stretch>
-            <a:fillRect/>
-          </a:stretch>
-        </p:blipFill>
-        <p:spPr>
-          <a:xfrm>
-            <a:off x="0" y="1417638"/>
-            <a:ext cx="9144000" cy="4572000"/>
-          </a:xfrm>
-          <a:prstGeom prst="rect">
-            <a:avLst/>
-          </a:prstGeom>
-        </p:spPr>
-      </p:pic>
-      <p:sp>
-        <p:nvSpPr>
-          <p:cNvPr id="4" name="TextBox 3"/>
-          <p:cNvSpPr txBox="1"/>
-          <p:nvPr/>
-        </p:nvSpPr>
-        <p:spPr>
-          <a:xfrm>
-            <a:off x="1031015" y="1688453"/>
-            <a:ext cx="1582484" cy="369332"/>
-          </a:xfrm>
-          <a:prstGeom prst="rect">
-            <a:avLst/>
-          </a:prstGeom>
-          <a:noFill/>
-        </p:spPr>
-        <p:txBody>
-          <a:bodyPr wrap="none" rtlCol="0">
-            <a:spAutoFit/>
-          </a:bodyPr>
-          <a:lstStyle/>
-          <a:p>
-            <a:r>
-              <a:rPr lang="en-US" dirty="0" smtClean="0">
-                <a:solidFill>
-                  <a:srgbClr val="FF6600"/>
-                </a:solidFill>
-              </a:rPr>
-              <a:t>OWD: 100ms</a:t>
-            </a:r>
-            <a:endParaRPr lang="en-US" dirty="0">
-              <a:solidFill>
-                <a:srgbClr val="FF6600"/>
-              </a:solidFill>
-            </a:endParaRPr>
-          </a:p>
-        </p:txBody>
-      </p:sp>
-    </p:spTree>
-    <p:extLst>
-      <p:ext uri="{BB962C8B-B14F-4D97-AF65-F5344CB8AC3E}">
-        <p14:creationId xmlns:p14="http://schemas.microsoft.com/office/powerpoint/2010/main" val="1200116518"/>
-      </p:ext>
-    </p:extLst>
-  </p:cSld>
-  <p:clrMapOvr>
-    <a:masterClrMapping/>
-  </p:clrMapOvr>
-</p:sld>
-</file>
-
 <file path=ppt/slides/slide13.xml><?xml version="1.0" encoding="utf-8"?>
 <p:sld xmlns:a="http://schemas.openxmlformats.org/drawingml/2006/main" xmlns:r="http://schemas.openxmlformats.org/officeDocument/2006/relationships" xmlns:p="http://schemas.openxmlformats.org/presentationml/2006/main">
   <p:cSld>
@@ -4326,7 +4353,7 @@
             </a:r>
             <a:r>
               <a:rPr lang="en-US" dirty="0" smtClean="0"/>
-              <a:t>(3/3)</a:t>
+              <a:t>(2/3)</a:t>
             </a:r>
             <a:endParaRPr lang="en-US" dirty="0"/>
           </a:p>
@@ -4334,7 +4361,7 @@
       </p:sp>
       <p:pic>
         <p:nvPicPr>
-          <p:cNvPr id="4" name="Picture 3" descr="ns-var-240ms-2.pdf"/>
+          <p:cNvPr id="3" name="Picture 2" descr="ns-var-100ms-2.pdf"/>
           <p:cNvPicPr>
             <a:picLocks noChangeAspect="1"/>
           </p:cNvPicPr>
@@ -4364,14 +4391,14 @@
       </p:pic>
       <p:sp>
         <p:nvSpPr>
-          <p:cNvPr id="5" name="TextBox 4"/>
+          <p:cNvPr id="4" name="TextBox 3"/>
           <p:cNvSpPr txBox="1"/>
           <p:nvPr/>
         </p:nvSpPr>
         <p:spPr>
           <a:xfrm>
-            <a:off x="1052350" y="1688453"/>
-            <a:ext cx="1646758" cy="369332"/>
+            <a:off x="1031015" y="1688453"/>
+            <a:ext cx="1582484" cy="369332"/>
           </a:xfrm>
           <a:prstGeom prst="rect">
             <a:avLst/>
@@ -4390,7 +4417,7 @@
                   <a:srgbClr val="FF6600"/>
                 </a:solidFill>
               </a:rPr>
-              <a:t>OWD: 240ms</a:t>
+              <a:t>OWD: 100ms</a:t>
             </a:r>
             <a:endParaRPr lang="en-US" dirty="0">
               <a:solidFill>
@@ -4403,7 +4430,7 @@
     </p:spTree>
     <p:extLst>
       <p:ext uri="{BB962C8B-B14F-4D97-AF65-F5344CB8AC3E}">
-        <p14:creationId xmlns:p14="http://schemas.microsoft.com/office/powerpoint/2010/main" val="907757059"/>
+        <p14:creationId xmlns:p14="http://schemas.microsoft.com/office/powerpoint/2010/main" val="1200116518"/>
       </p:ext>
     </p:extLst>
   </p:cSld>
@@ -4446,8 +4473,12 @@
           <a:lstStyle/>
           <a:p>
             <a:r>
+              <a:rPr lang="en-US" dirty="0"/>
+              <a:t>Evaluation </a:t>
+            </a:r>
+            <a:r>
               <a:rPr lang="en-US" dirty="0" smtClean="0"/>
-              <a:t>Compete with short TCPs</a:t>
+              <a:t>(3/3)</a:t>
             </a:r>
             <a:endParaRPr lang="en-US" dirty="0"/>
           </a:p>
@@ -4455,7 +4486,7 @@
       </p:sp>
       <p:pic>
         <p:nvPicPr>
-          <p:cNvPr id="6" name="Picture 5" descr="ns-competition-100ms-2.pdf"/>
+          <p:cNvPr id="4" name="Picture 3" descr="ns-var-240ms-2.pdf"/>
           <p:cNvPicPr>
             <a:picLocks noChangeAspect="1"/>
           </p:cNvPicPr>
@@ -4475,7 +4506,7 @@
         </p:blipFill>
         <p:spPr>
           <a:xfrm>
-            <a:off x="436960" y="1657890"/>
+            <a:off x="0" y="1417638"/>
             <a:ext cx="9144000" cy="4572000"/>
           </a:xfrm>
           <a:prstGeom prst="rect">
@@ -4483,40 +4514,48 @@
           </a:prstGeom>
         </p:spPr>
       </p:pic>
-      <p:pic>
-        <p:nvPicPr>
-          <p:cNvPr id="7" name="Picture 6" descr="Screen Shot 2014-07-24 at 06.42.22.png"/>
-          <p:cNvPicPr>
-            <a:picLocks noChangeAspect="1"/>
-          </p:cNvPicPr>
-          <p:nvPr/>
-        </p:nvPicPr>
-        <p:blipFill>
-          <a:blip r:embed="rId3">
-            <a:extLst>
-              <a:ext uri="{28A0092B-C50C-407E-A947-70E740481C1C}">
-                <a14:useLocalDpi xmlns:a14="http://schemas.microsoft.com/office/drawing/2010/main" val="0"/>
-              </a:ext>
-            </a:extLst>
-          </a:blip>
-          <a:stretch>
-            <a:fillRect/>
-          </a:stretch>
-        </p:blipFill>
-        <p:spPr>
-          <a:xfrm>
-            <a:off x="0" y="1605169"/>
-            <a:ext cx="1413355" cy="4268332"/>
+      <p:sp>
+        <p:nvSpPr>
+          <p:cNvPr id="5" name="TextBox 4"/>
+          <p:cNvSpPr txBox="1"/>
+          <p:nvPr/>
+        </p:nvSpPr>
+        <p:spPr>
+          <a:xfrm>
+            <a:off x="1052350" y="1688453"/>
+            <a:ext cx="1646758" cy="369332"/>
           </a:xfrm>
           <a:prstGeom prst="rect">
             <a:avLst/>
           </a:prstGeom>
-        </p:spPr>
-      </p:pic>
+          <a:noFill/>
+        </p:spPr>
+        <p:txBody>
+          <a:bodyPr wrap="none" rtlCol="0">
+            <a:spAutoFit/>
+          </a:bodyPr>
+          <a:lstStyle/>
+          <a:p>
+            <a:r>
+              <a:rPr lang="en-US" dirty="0" smtClean="0">
+                <a:solidFill>
+                  <a:srgbClr val="FF6600"/>
+                </a:solidFill>
+              </a:rPr>
+              <a:t>OWD: 240ms</a:t>
+            </a:r>
+            <a:endParaRPr lang="en-US" dirty="0">
+              <a:solidFill>
+                <a:srgbClr val="FF6600"/>
+              </a:solidFill>
+            </a:endParaRPr>
+          </a:p>
+        </p:txBody>
+      </p:sp>
     </p:spTree>
     <p:extLst>
       <p:ext uri="{BB962C8B-B14F-4D97-AF65-F5344CB8AC3E}">
-        <p14:creationId xmlns:p14="http://schemas.microsoft.com/office/powerpoint/2010/main" val="937906483"/>
+        <p14:creationId xmlns:p14="http://schemas.microsoft.com/office/powerpoint/2010/main" val="907757059"/>
       </p:ext>
     </p:extLst>
   </p:cSld>
@@ -4545,6 +4584,119 @@
       </p:grpSpPr>
       <p:sp>
         <p:nvSpPr>
+          <p:cNvPr id="2" name="Title 1"/>
+          <p:cNvSpPr>
+            <a:spLocks noGrp="1"/>
+          </p:cNvSpPr>
+          <p:nvPr>
+            <p:ph type="title"/>
+          </p:nvPr>
+        </p:nvSpPr>
+        <p:spPr/>
+        <p:txBody>
+          <a:bodyPr/>
+          <a:lstStyle/>
+          <a:p>
+            <a:r>
+              <a:rPr lang="en-US" dirty="0" smtClean="0"/>
+              <a:t>Compete with short TCPs</a:t>
+            </a:r>
+            <a:endParaRPr lang="en-US" dirty="0"/>
+          </a:p>
+        </p:txBody>
+      </p:sp>
+      <p:pic>
+        <p:nvPicPr>
+          <p:cNvPr id="6" name="Picture 5" descr="ns-competition-100ms-2.pdf"/>
+          <p:cNvPicPr>
+            <a:picLocks noChangeAspect="1"/>
+          </p:cNvPicPr>
+          <p:nvPr/>
+        </p:nvPicPr>
+        <p:blipFill>
+          <a:blip r:embed="rId2">
+            <a:extLst>
+              <a:ext uri="{28A0092B-C50C-407E-A947-70E740481C1C}">
+                <a14:useLocalDpi xmlns:a14="http://schemas.microsoft.com/office/drawing/2010/main" val="0"/>
+              </a:ext>
+            </a:extLst>
+          </a:blip>
+          <a:stretch>
+            <a:fillRect/>
+          </a:stretch>
+        </p:blipFill>
+        <p:spPr>
+          <a:xfrm>
+            <a:off x="436960" y="1657890"/>
+            <a:ext cx="9144000" cy="4572000"/>
+          </a:xfrm>
+          <a:prstGeom prst="rect">
+            <a:avLst/>
+          </a:prstGeom>
+        </p:spPr>
+      </p:pic>
+      <p:pic>
+        <p:nvPicPr>
+          <p:cNvPr id="7" name="Picture 6" descr="Screen Shot 2014-07-24 at 06.42.22.png"/>
+          <p:cNvPicPr>
+            <a:picLocks noChangeAspect="1"/>
+          </p:cNvPicPr>
+          <p:nvPr/>
+        </p:nvPicPr>
+        <p:blipFill>
+          <a:blip r:embed="rId3">
+            <a:extLst>
+              <a:ext uri="{28A0092B-C50C-407E-A947-70E740481C1C}">
+                <a14:useLocalDpi xmlns:a14="http://schemas.microsoft.com/office/drawing/2010/main" val="0"/>
+              </a:ext>
+            </a:extLst>
+          </a:blip>
+          <a:stretch>
+            <a:fillRect/>
+          </a:stretch>
+        </p:blipFill>
+        <p:spPr>
+          <a:xfrm>
+            <a:off x="0" y="1605169"/>
+            <a:ext cx="1413355" cy="4268332"/>
+          </a:xfrm>
+          <a:prstGeom prst="rect">
+            <a:avLst/>
+          </a:prstGeom>
+        </p:spPr>
+      </p:pic>
+    </p:spTree>
+    <p:extLst>
+      <p:ext uri="{BB962C8B-B14F-4D97-AF65-F5344CB8AC3E}">
+        <p14:creationId xmlns:p14="http://schemas.microsoft.com/office/powerpoint/2010/main" val="937906483"/>
+      </p:ext>
+    </p:extLst>
+  </p:cSld>
+  <p:clrMapOvr>
+    <a:masterClrMapping/>
+  </p:clrMapOvr>
+</p:sld>
+</file>
+
+<file path=ppt/slides/slide16.xml><?xml version="1.0" encoding="utf-8"?>
+<p:sld xmlns:a="http://schemas.openxmlformats.org/drawingml/2006/main" xmlns:r="http://schemas.openxmlformats.org/officeDocument/2006/relationships" xmlns:p="http://schemas.openxmlformats.org/presentationml/2006/main">
+  <p:cSld>
+    <p:spTree>
+      <p:nvGrpSpPr>
+        <p:cNvPr id="1" name=""/>
+        <p:cNvGrpSpPr/>
+        <p:nvPr/>
+      </p:nvGrpSpPr>
+      <p:grpSpPr>
+        <a:xfrm>
+          <a:off x="0" y="0"/>
+          <a:ext cx="0" cy="0"/>
+          <a:chOff x="0" y="0"/>
+          <a:chExt cx="0" cy="0"/>
+        </a:xfrm>
+      </p:grpSpPr>
+      <p:sp>
+        <p:nvSpPr>
           <p:cNvPr id="4" name="Title 3"/>
           <p:cNvSpPr>
             <a:spLocks noGrp="1"/>
@@ -4595,25 +4747,8 @@
             </a:pPr>
             <a:r>
               <a:rPr lang="en-US" dirty="0" smtClean="0"/>
-              <a:t>1Mbit</a:t>
-            </a:r>
-            <a:r>
-              <a:rPr lang="en-US" dirty="0" smtClean="0"/>
-              <a:t>/s link </a:t>
-            </a:r>
-            <a:r>
-              <a:rPr lang="en-US" dirty="0" smtClean="0"/>
-              <a:t>capacity, 50ms </a:t>
-            </a:r>
-            <a:r>
-              <a:rPr lang="en-US" dirty="0" smtClean="0"/>
-              <a:t>one-way-</a:t>
-            </a:r>
-            <a:r>
-              <a:rPr lang="en-US" dirty="0" smtClean="0"/>
-              <a:t>delay, </a:t>
-            </a:r>
-            <a:endParaRPr lang="en-US" dirty="0" smtClean="0"/>
+              <a:t>1Mbit/s link capacity, 50ms one-way-delay, </a:t>
+            </a:r>
           </a:p>
         </p:txBody>
       </p:sp>
@@ -4699,7 +4834,7 @@
 </p:sld>
 </file>
 
-<file path=ppt/slides/slide16.xml><?xml version="1.0" encoding="utf-8"?>
+<file path=ppt/slides/slide17.xml><?xml version="1.0" encoding="utf-8"?>
 <p:sld xmlns:a="http://schemas.openxmlformats.org/drawingml/2006/main" xmlns:r="http://schemas.openxmlformats.org/officeDocument/2006/relationships" xmlns:p="http://schemas.openxmlformats.org/presentationml/2006/main">
   <p:cSld>
     <p:spTree>
@@ -4804,25 +4939,8 @@
             </a:pPr>
             <a:r>
               <a:rPr lang="en-US" dirty="0" smtClean="0"/>
-              <a:t>1Mbit</a:t>
-            </a:r>
-            <a:r>
-              <a:rPr lang="en-US" dirty="0" smtClean="0"/>
-              <a:t>/s link </a:t>
-            </a:r>
-            <a:r>
-              <a:rPr lang="en-US" dirty="0" smtClean="0"/>
-              <a:t>capacity, 100ms </a:t>
-            </a:r>
-            <a:r>
-              <a:rPr lang="en-US" dirty="0" smtClean="0"/>
-              <a:t>one-way-</a:t>
-            </a:r>
-            <a:r>
-              <a:rPr lang="en-US" dirty="0" smtClean="0"/>
-              <a:t>delay, </a:t>
-            </a:r>
-            <a:endParaRPr lang="en-US" dirty="0" smtClean="0"/>
+              <a:t>1Mbit/s link capacity, 100ms one-way-delay, </a:t>
+            </a:r>
           </a:p>
         </p:txBody>
       </p:sp>
@@ -4968,6 +5086,89 @@
 </file>
 
 <file path=ppt/slides/slide3.xml><?xml version="1.0" encoding="utf-8"?>
+<p:sld xmlns:a="http://schemas.openxmlformats.org/drawingml/2006/main" xmlns:r="http://schemas.openxmlformats.org/officeDocument/2006/relationships" xmlns:p="http://schemas.openxmlformats.org/presentationml/2006/main">
+  <p:cSld>
+    <p:spTree>
+      <p:nvGrpSpPr>
+        <p:cNvPr id="1" name=""/>
+        <p:cNvGrpSpPr/>
+        <p:nvPr/>
+      </p:nvGrpSpPr>
+      <p:grpSpPr>
+        <a:xfrm>
+          <a:off x="0" y="0"/>
+          <a:ext cx="0" cy="0"/>
+          <a:chOff x="0" y="0"/>
+          <a:chExt cx="0" cy="0"/>
+        </a:xfrm>
+      </p:grpSpPr>
+      <p:sp>
+        <p:nvSpPr>
+          <p:cNvPr id="2" name="Title 1"/>
+          <p:cNvSpPr>
+            <a:spLocks noGrp="1"/>
+          </p:cNvSpPr>
+          <p:nvPr>
+            <p:ph type="title"/>
+          </p:nvPr>
+        </p:nvSpPr>
+        <p:spPr/>
+        <p:txBody>
+          <a:bodyPr/>
+          <a:lstStyle/>
+          <a:p>
+            <a:r>
+              <a:rPr lang="en-US" dirty="0" smtClean="0"/>
+              <a:t>Error Resilience</a:t>
+            </a:r>
+            <a:endParaRPr lang="en-US" dirty="0"/>
+          </a:p>
+        </p:txBody>
+      </p:sp>
+      <p:pic>
+        <p:nvPicPr>
+          <p:cNvPr id="4" name="Content Placeholder 3" descr="chap6-fig-apply-err.pdf"/>
+          <p:cNvPicPr>
+            <a:picLocks noGrp="1" noChangeAspect="1"/>
+          </p:cNvPicPr>
+          <p:nvPr>
+            <p:ph idx="1"/>
+          </p:nvPr>
+        </p:nvPicPr>
+        <p:blipFill>
+          <a:blip r:embed="rId2">
+            <a:extLst>
+              <a:ext uri="{28A0092B-C50C-407E-A947-70E740481C1C}">
+                <a14:useLocalDpi xmlns:a14="http://schemas.microsoft.com/office/drawing/2010/main" val="0"/>
+              </a:ext>
+            </a:extLst>
+          </a:blip>
+          <a:srcRect l="-18086" r="-18086"/>
+          <a:stretch>
+            <a:fillRect/>
+          </a:stretch>
+        </p:blipFill>
+        <p:spPr>
+          <a:xfrm>
+            <a:off x="-327729" y="1057238"/>
+            <a:ext cx="10547579" cy="5800762"/>
+          </a:xfrm>
+        </p:spPr>
+      </p:pic>
+    </p:spTree>
+    <p:extLst>
+      <p:ext uri="{BB962C8B-B14F-4D97-AF65-F5344CB8AC3E}">
+        <p14:creationId xmlns:p14="http://schemas.microsoft.com/office/powerpoint/2010/main" val="408183975"/>
+      </p:ext>
+    </p:extLst>
+  </p:cSld>
+  <p:clrMapOvr>
+    <a:masterClrMapping/>
+  </p:clrMapOvr>
+</p:sld>
+</file>
+
+<file path=ppt/slides/slide4.xml><?xml version="1.0" encoding="utf-8"?>
 <p:sld xmlns:a="http://schemas.openxmlformats.org/drawingml/2006/main" xmlns:r="http://schemas.openxmlformats.org/officeDocument/2006/relationships" xmlns:p="http://schemas.openxmlformats.org/presentationml/2006/main">
   <p:cSld>
     <p:spTree>
@@ -6157,7 +6358,7 @@
         </p:nvCxnSpPr>
         <p:spPr>
           <a:xfrm>
-            <a:off x="2721809" y="3082095"/>
+            <a:off x="2721809" y="3187499"/>
             <a:ext cx="1665741" cy="0"/>
           </a:xfrm>
           <a:prstGeom prst="line">
@@ -6227,8 +6428,8 @@
         </p:nvCxnSpPr>
         <p:spPr>
           <a:xfrm>
-            <a:off x="4392153" y="3082095"/>
-            <a:ext cx="0" cy="1094572"/>
+            <a:off x="4392153" y="3150370"/>
+            <a:ext cx="0" cy="1026297"/>
           </a:xfrm>
           <a:prstGeom prst="line">
             <a:avLst/>
@@ -6345,8 +6546,8 @@
         </p:nvSpPr>
         <p:spPr>
           <a:xfrm>
-            <a:off x="2730794" y="3082095"/>
-            <a:ext cx="1656756" cy="865359"/>
+            <a:off x="2730794" y="3196241"/>
+            <a:ext cx="1656756" cy="751213"/>
           </a:xfrm>
           <a:prstGeom prst="rect">
             <a:avLst/>
@@ -6565,15 +6766,13 @@
       <p:cxnSp>
         <p:nvCxnSpPr>
           <p:cNvPr id="81" name="Straight Connector 80"/>
-          <p:cNvCxnSpPr>
-            <a:endCxn id="67" idx="0"/>
-          </p:cNvCxnSpPr>
+          <p:cNvCxnSpPr/>
           <p:nvPr/>
         </p:nvCxnSpPr>
         <p:spPr>
           <a:xfrm flipH="1">
-            <a:off x="6060197" y="3575317"/>
-            <a:ext cx="2301" cy="611145"/>
+            <a:off x="6055701" y="3575317"/>
+            <a:ext cx="6798" cy="437413"/>
           </a:xfrm>
           <a:prstGeom prst="line">
             <a:avLst/>
@@ -6633,9 +6832,9 @@
           <p:nvPr/>
         </p:nvCxnSpPr>
         <p:spPr>
-          <a:xfrm>
-            <a:off x="6055701" y="3563863"/>
-            <a:ext cx="841968" cy="0"/>
+          <a:xfrm flipV="1">
+            <a:off x="6055701" y="3559395"/>
+            <a:ext cx="1690289" cy="4468"/>
           </a:xfrm>
           <a:prstGeom prst="line">
             <a:avLst/>
@@ -7555,86 +7754,45 @@
           </a:p>
         </p:txBody>
       </p:sp>
-    </p:spTree>
-    <p:extLst>
-      <p:ext uri="{BB962C8B-B14F-4D97-AF65-F5344CB8AC3E}">
-        <p14:creationId xmlns:p14="http://schemas.microsoft.com/office/powerpoint/2010/main" val="898214967"/>
-      </p:ext>
-    </p:extLst>
-  </p:cSld>
-  <p:clrMapOvr>
-    <a:masterClrMapping/>
-  </p:clrMapOvr>
-</p:sld>
-</file>
-
-<file path=ppt/slides/slide4.xml><?xml version="1.0" encoding="utf-8"?>
-<p:sld xmlns:a="http://schemas.openxmlformats.org/drawingml/2006/main" xmlns:r="http://schemas.openxmlformats.org/officeDocument/2006/relationships" xmlns:p="http://schemas.openxmlformats.org/presentationml/2006/main">
-  <p:cSld>
-    <p:spTree>
-      <p:nvGrpSpPr>
-        <p:cNvPr id="1" name=""/>
-        <p:cNvGrpSpPr/>
-        <p:nvPr/>
-      </p:nvGrpSpPr>
-      <p:grpSpPr>
-        <a:xfrm>
-          <a:off x="0" y="0"/>
-          <a:ext cx="0" cy="0"/>
-          <a:chOff x="0" y="0"/>
-          <a:chExt cx="0" cy="0"/>
-        </a:xfrm>
-      </p:grpSpPr>
-      <p:sp>
-        <p:nvSpPr>
-          <p:cNvPr id="2" name="Title 1"/>
-          <p:cNvSpPr>
-            <a:spLocks noGrp="1"/>
-          </p:cNvSpPr>
-          <p:nvPr>
-            <p:ph type="title"/>
-          </p:nvPr>
-        </p:nvSpPr>
-        <p:spPr/>
-        <p:txBody>
-          <a:bodyPr/>
-          <a:lstStyle/>
-          <a:p>
-            <a:r>
-              <a:rPr lang="en-US" dirty="0" smtClean="0"/>
-              <a:t>CC Framework</a:t>
-            </a:r>
-            <a:endParaRPr lang="en-US" dirty="0"/>
-          </a:p>
-        </p:txBody>
-      </p:sp>
-      <p:sp>
-        <p:nvSpPr>
-          <p:cNvPr id="4" name="Rectangle 3"/>
+      <p:sp>
+        <p:nvSpPr>
+          <p:cNvPr id="68" name="Rectangle 67"/>
           <p:cNvSpPr/>
           <p:nvPr/>
         </p:nvSpPr>
         <p:spPr>
           <a:xfrm>
-            <a:off x="2730910" y="1561853"/>
-            <a:ext cx="4082965" cy="723691"/>
+            <a:off x="2744164" y="2976694"/>
+            <a:ext cx="1643385" cy="219548"/>
           </a:xfrm>
           <a:prstGeom prst="rect">
             <a:avLst/>
           </a:prstGeom>
+          <a:solidFill>
+            <a:schemeClr val="accent3">
+              <a:lumMod val="60000"/>
+              <a:lumOff val="40000"/>
+              <a:alpha val="42000"/>
+            </a:schemeClr>
+          </a:solidFill>
+          <a:ln>
+            <a:noFill/>
+          </a:ln>
         </p:spPr>
         <p:style>
           <a:lnRef idx="2">
-            <a:schemeClr val="dk1"/>
+            <a:schemeClr val="accent3">
+              <a:shade val="50000"/>
+            </a:schemeClr>
           </a:lnRef>
           <a:fillRef idx="1">
-            <a:schemeClr val="lt1"/>
+            <a:schemeClr val="accent3"/>
           </a:fillRef>
           <a:effectRef idx="0">
-            <a:schemeClr val="dk1"/>
+            <a:schemeClr val="accent3"/>
           </a:effectRef>
           <a:fontRef idx="minor">
-            <a:schemeClr val="dk1"/>
+            <a:schemeClr val="lt1"/>
           </a:fontRef>
         </p:style>
         <p:txBody>
@@ -7642,44 +7800,49 @@
           <a:lstStyle/>
           <a:p>
             <a:pPr algn="ctr"/>
-            <a:r>
-              <a:rPr lang="en-US" dirty="0" smtClean="0"/>
-              <a:t>Media Encoder</a:t>
-            </a:r>
             <a:endParaRPr lang="en-US" dirty="0"/>
           </a:p>
         </p:txBody>
       </p:sp>
       <p:sp>
         <p:nvSpPr>
-          <p:cNvPr id="5" name="Rectangle 4"/>
+          <p:cNvPr id="82" name="Rectangle 81"/>
           <p:cNvSpPr/>
           <p:nvPr/>
         </p:nvSpPr>
         <p:spPr>
           <a:xfrm>
-            <a:off x="2730911" y="2670072"/>
-            <a:ext cx="1611338" cy="723691"/>
+            <a:off x="6897670" y="3573050"/>
+            <a:ext cx="848320" cy="219548"/>
           </a:xfrm>
           <a:prstGeom prst="rect">
             <a:avLst/>
           </a:prstGeom>
           <a:solidFill>
-            <a:schemeClr val="bg2"/>
+            <a:schemeClr val="accent3">
+              <a:lumMod val="60000"/>
+              <a:lumOff val="40000"/>
+              <a:alpha val="42000"/>
+            </a:schemeClr>
           </a:solidFill>
+          <a:ln>
+            <a:noFill/>
+          </a:ln>
         </p:spPr>
         <p:style>
           <a:lnRef idx="2">
-            <a:schemeClr val="dk1"/>
+            <a:schemeClr val="accent3">
+              <a:shade val="50000"/>
+            </a:schemeClr>
           </a:lnRef>
           <a:fillRef idx="1">
-            <a:schemeClr val="lt1"/>
+            <a:schemeClr val="accent3"/>
           </a:fillRef>
           <a:effectRef idx="0">
-            <a:schemeClr val="dk1"/>
+            <a:schemeClr val="accent3"/>
           </a:effectRef>
           <a:fontRef idx="minor">
-            <a:schemeClr val="dk1"/>
+            <a:schemeClr val="lt1"/>
           </a:fontRef>
         </p:style>
         <p:txBody>
@@ -7687,41 +7850,49 @@
           <a:lstStyle/>
           <a:p>
             <a:pPr algn="ctr"/>
-            <a:r>
-              <a:rPr lang="en-US" dirty="0" smtClean="0"/>
-              <a:t>Rate Controller</a:t>
-            </a:r>
             <a:endParaRPr lang="en-US" dirty="0"/>
           </a:p>
         </p:txBody>
       </p:sp>
       <p:sp>
         <p:nvSpPr>
-          <p:cNvPr id="6" name="Rectangle 5"/>
+          <p:cNvPr id="83" name="Rectangle 82"/>
           <p:cNvSpPr/>
           <p:nvPr/>
         </p:nvSpPr>
         <p:spPr>
           <a:xfrm>
-            <a:off x="4931393" y="2663435"/>
-            <a:ext cx="1611338" cy="723691"/>
+            <a:off x="5218342" y="4026385"/>
+            <a:ext cx="837359" cy="137704"/>
           </a:xfrm>
           <a:prstGeom prst="rect">
             <a:avLst/>
           </a:prstGeom>
+          <a:solidFill>
+            <a:schemeClr val="accent3">
+              <a:lumMod val="60000"/>
+              <a:lumOff val="40000"/>
+              <a:alpha val="42000"/>
+            </a:schemeClr>
+          </a:solidFill>
+          <a:ln>
+            <a:noFill/>
+          </a:ln>
         </p:spPr>
         <p:style>
           <a:lnRef idx="2">
-            <a:schemeClr val="dk1"/>
+            <a:schemeClr val="accent3">
+              <a:shade val="50000"/>
+            </a:schemeClr>
           </a:lnRef>
           <a:fillRef idx="1">
-            <a:schemeClr val="lt1"/>
+            <a:schemeClr val="accent3"/>
           </a:fillRef>
           <a:effectRef idx="0">
-            <a:schemeClr val="dk1"/>
+            <a:schemeClr val="accent3"/>
           </a:effectRef>
           <a:fontRef idx="minor">
-            <a:schemeClr val="dk1"/>
+            <a:schemeClr val="lt1"/>
           </a:fontRef>
         </p:style>
         <p:txBody>
@@ -7729,128 +7900,35 @@
           <a:lstStyle/>
           <a:p>
             <a:pPr algn="ctr"/>
-            <a:r>
-              <a:rPr lang="en-US" dirty="0" smtClean="0"/>
-              <a:t>RTP Packets</a:t>
-            </a:r>
             <a:endParaRPr lang="en-US" dirty="0"/>
           </a:p>
         </p:txBody>
       </p:sp>
-      <p:sp>
-        <p:nvSpPr>
-          <p:cNvPr id="10" name="Rectangle 9"/>
-          <p:cNvSpPr/>
-          <p:nvPr/>
-        </p:nvSpPr>
-        <p:spPr>
-          <a:xfrm>
-            <a:off x="2730910" y="5723959"/>
-            <a:ext cx="4082965" cy="363857"/>
-          </a:xfrm>
-          <a:prstGeom prst="rect">
-            <a:avLst/>
-          </a:prstGeom>
+      <p:cxnSp>
+        <p:nvCxnSpPr>
+          <p:cNvPr id="85" name="Straight Connector 84"/>
+          <p:cNvCxnSpPr/>
+          <p:nvPr/>
+        </p:nvCxnSpPr>
+        <p:spPr>
+          <a:xfrm flipV="1">
+            <a:off x="2744164" y="2972741"/>
+            <a:ext cx="1643385" cy="4468"/>
+          </a:xfrm>
+          <a:prstGeom prst="line">
+            <a:avLst/>
+          </a:prstGeom>
+          <a:ln/>
         </p:spPr>
         <p:style>
-          <a:lnRef idx="2">
-            <a:schemeClr val="dk1"/>
+          <a:lnRef idx="1">
+            <a:schemeClr val="accent3"/>
           </a:lnRef>
-          <a:fillRef idx="1">
-            <a:schemeClr val="lt1"/>
+          <a:fillRef idx="0">
+            <a:schemeClr val="accent3"/>
           </a:fillRef>
           <a:effectRef idx="0">
-            <a:schemeClr val="dk1"/>
-          </a:effectRef>
-          <a:fontRef idx="minor">
-            <a:schemeClr val="dk1"/>
-          </a:fontRef>
-        </p:style>
-        <p:txBody>
-          <a:bodyPr rtlCol="0" anchor="ctr"/>
-          <a:lstStyle/>
-          <a:p>
-            <a:pPr algn="ctr"/>
-            <a:r>
-              <a:rPr lang="en-US" dirty="0" smtClean="0"/>
-              <a:t>Transport Layer (UDP)</a:t>
-            </a:r>
-            <a:endParaRPr lang="en-US" dirty="0"/>
-          </a:p>
-        </p:txBody>
-      </p:sp>
-      <p:sp>
-        <p:nvSpPr>
-          <p:cNvPr id="12" name="Rectangle 11"/>
-          <p:cNvSpPr/>
-          <p:nvPr/>
-        </p:nvSpPr>
-        <p:spPr>
-          <a:xfrm>
-            <a:off x="2730911" y="6417116"/>
-            <a:ext cx="4082965" cy="363857"/>
-          </a:xfrm>
-          <a:prstGeom prst="rect">
-            <a:avLst/>
-          </a:prstGeom>
-        </p:spPr>
-        <p:style>
-          <a:lnRef idx="2">
-            <a:schemeClr val="dk1"/>
-          </a:lnRef>
-          <a:fillRef idx="1">
-            <a:schemeClr val="lt1"/>
-          </a:fillRef>
-          <a:effectRef idx="0">
-            <a:schemeClr val="dk1"/>
-          </a:effectRef>
-          <a:fontRef idx="minor">
-            <a:schemeClr val="dk1"/>
-          </a:fontRef>
-        </p:style>
-        <p:txBody>
-          <a:bodyPr rtlCol="0" anchor="ctr"/>
-          <a:lstStyle/>
-          <a:p>
-            <a:pPr algn="ctr"/>
-            <a:r>
-              <a:rPr lang="en-US" dirty="0" smtClean="0"/>
-              <a:t>IP</a:t>
-            </a:r>
-            <a:endParaRPr lang="en-US" dirty="0"/>
-          </a:p>
-        </p:txBody>
-      </p:sp>
-      <p:cxnSp>
-        <p:nvCxnSpPr>
-          <p:cNvPr id="14" name="Straight Arrow Connector 13"/>
-          <p:cNvCxnSpPr>
-            <a:endCxn id="5" idx="0"/>
-          </p:cNvCxnSpPr>
-          <p:nvPr/>
-        </p:nvCxnSpPr>
-        <p:spPr>
-          <a:xfrm>
-            <a:off x="3536580" y="2285544"/>
-            <a:ext cx="0" cy="384528"/>
-          </a:xfrm>
-          <a:prstGeom prst="straightConnector1">
-            <a:avLst/>
-          </a:prstGeom>
-          <a:ln>
-            <a:headEnd type="arrow"/>
-            <a:tailEnd type="arrow"/>
-          </a:ln>
-        </p:spPr>
-        <p:style>
-          <a:lnRef idx="1">
-            <a:schemeClr val="dk1"/>
-          </a:lnRef>
-          <a:fillRef idx="0">
-            <a:schemeClr val="dk1"/>
-          </a:fillRef>
-          <a:effectRef idx="0">
-            <a:schemeClr val="dk1"/>
+            <a:schemeClr val="accent3"/>
           </a:effectRef>
           <a:fontRef idx="minor">
             <a:schemeClr val="tx1"/>
@@ -7859,276 +7937,29 @@
       </p:cxnSp>
       <p:cxnSp>
         <p:nvCxnSpPr>
-          <p:cNvPr id="27" name="Straight Arrow Connector 26"/>
+          <p:cNvPr id="86" name="Straight Connector 85"/>
           <p:cNvCxnSpPr/>
           <p:nvPr/>
         </p:nvCxnSpPr>
         <p:spPr>
-          <a:xfrm>
-            <a:off x="5750717" y="3387126"/>
-            <a:ext cx="0" cy="1710309"/>
-          </a:xfrm>
-          <a:prstGeom prst="straightConnector1">
-            <a:avLst/>
-          </a:prstGeom>
-          <a:ln>
-            <a:headEnd type="arrow"/>
-            <a:tailEnd type="arrow"/>
-          </a:ln>
+          <a:xfrm flipV="1">
+            <a:off x="5218342" y="4027865"/>
+            <a:ext cx="837359" cy="1"/>
+          </a:xfrm>
+          <a:prstGeom prst="line">
+            <a:avLst/>
+          </a:prstGeom>
+          <a:ln/>
         </p:spPr>
         <p:style>
           <a:lnRef idx="1">
-            <a:schemeClr val="dk1"/>
+            <a:schemeClr val="accent3"/>
           </a:lnRef>
           <a:fillRef idx="0">
-            <a:schemeClr val="dk1"/>
+            <a:schemeClr val="accent3"/>
           </a:fillRef>
           <a:effectRef idx="0">
-            <a:schemeClr val="dk1"/>
-          </a:effectRef>
-          <a:fontRef idx="minor">
-            <a:schemeClr val="tx1"/>
-          </a:fontRef>
-        </p:style>
-      </p:cxnSp>
-      <p:sp>
-        <p:nvSpPr>
-          <p:cNvPr id="28" name="TextBox 27"/>
-          <p:cNvSpPr txBox="1"/>
-          <p:nvPr/>
-        </p:nvSpPr>
-        <p:spPr>
-          <a:xfrm rot="5400000">
-            <a:off x="6258595" y="3949043"/>
-            <a:ext cx="1479892" cy="369332"/>
-          </a:xfrm>
-          <a:prstGeom prst="rect">
-            <a:avLst/>
-          </a:prstGeom>
-          <a:noFill/>
-        </p:spPr>
-        <p:txBody>
-          <a:bodyPr wrap="none" rtlCol="0">
-            <a:spAutoFit/>
-          </a:bodyPr>
-          <a:lstStyle/>
-          <a:p>
-            <a:r>
-              <a:rPr lang="en-US" dirty="0" smtClean="0"/>
-              <a:t>Source RTP</a:t>
-            </a:r>
-            <a:endParaRPr lang="en-US" dirty="0"/>
-          </a:p>
-        </p:txBody>
-      </p:sp>
-      <p:cxnSp>
-        <p:nvCxnSpPr>
-          <p:cNvPr id="33" name="Straight Arrow Connector 32"/>
-          <p:cNvCxnSpPr>
-            <a:stCxn id="10" idx="2"/>
-            <a:endCxn id="12" idx="0"/>
-          </p:cNvCxnSpPr>
-          <p:nvPr/>
-        </p:nvCxnSpPr>
-        <p:spPr>
-          <a:xfrm>
-            <a:off x="4772393" y="6087816"/>
-            <a:ext cx="1" cy="329300"/>
-          </a:xfrm>
-          <a:prstGeom prst="straightConnector1">
-            <a:avLst/>
-          </a:prstGeom>
-          <a:ln>
-            <a:headEnd type="arrow"/>
-            <a:tailEnd type="arrow"/>
-          </a:ln>
-        </p:spPr>
-        <p:style>
-          <a:lnRef idx="1">
-            <a:schemeClr val="dk1"/>
-          </a:lnRef>
-          <a:fillRef idx="0">
-            <a:schemeClr val="dk1"/>
-          </a:fillRef>
-          <a:effectRef idx="0">
-            <a:schemeClr val="dk1"/>
-          </a:effectRef>
-          <a:fontRef idx="minor">
-            <a:schemeClr val="tx1"/>
-          </a:fontRef>
-        </p:style>
-      </p:cxnSp>
-      <p:cxnSp>
-        <p:nvCxnSpPr>
-          <p:cNvPr id="38" name="Straight Arrow Connector 37"/>
-          <p:cNvCxnSpPr/>
-          <p:nvPr/>
-        </p:nvCxnSpPr>
-        <p:spPr>
-          <a:xfrm>
-            <a:off x="2992325" y="3393763"/>
-            <a:ext cx="0" cy="2330196"/>
-          </a:xfrm>
-          <a:prstGeom prst="straightConnector1">
-            <a:avLst/>
-          </a:prstGeom>
-          <a:ln>
-            <a:headEnd type="arrow"/>
-            <a:tailEnd type="arrow"/>
-          </a:ln>
-        </p:spPr>
-        <p:style>
-          <a:lnRef idx="1">
-            <a:schemeClr val="dk1"/>
-          </a:lnRef>
-          <a:fillRef idx="0">
-            <a:schemeClr val="dk1"/>
-          </a:fillRef>
-          <a:effectRef idx="0">
-            <a:schemeClr val="dk1"/>
-          </a:effectRef>
-          <a:fontRef idx="minor">
-            <a:schemeClr val="tx1"/>
-          </a:fontRef>
-        </p:style>
-      </p:cxnSp>
-      <p:sp>
-        <p:nvSpPr>
-          <p:cNvPr id="55" name="TextBox 54"/>
-          <p:cNvSpPr txBox="1"/>
-          <p:nvPr/>
-        </p:nvSpPr>
-        <p:spPr>
-          <a:xfrm>
-            <a:off x="3123236" y="4358418"/>
-            <a:ext cx="1147698" cy="369332"/>
-          </a:xfrm>
-          <a:prstGeom prst="rect">
-            <a:avLst/>
-          </a:prstGeom>
-          <a:noFill/>
-        </p:spPr>
-        <p:txBody>
-          <a:bodyPr wrap="none" rtlCol="0">
-            <a:spAutoFit/>
-          </a:bodyPr>
-          <a:lstStyle/>
-          <a:p>
-            <a:r>
-              <a:rPr lang="en-US" dirty="0" smtClean="0"/>
-              <a:t>RTCP FB</a:t>
-            </a:r>
-            <a:endParaRPr lang="en-US" dirty="0"/>
-          </a:p>
-        </p:txBody>
-      </p:sp>
-      <p:cxnSp>
-        <p:nvCxnSpPr>
-          <p:cNvPr id="31" name="Straight Arrow Connector 30"/>
-          <p:cNvCxnSpPr/>
-          <p:nvPr/>
-        </p:nvCxnSpPr>
-        <p:spPr>
-          <a:xfrm>
-            <a:off x="5846534" y="2267869"/>
-            <a:ext cx="0" cy="384528"/>
-          </a:xfrm>
-          <a:prstGeom prst="straightConnector1">
-            <a:avLst/>
-          </a:prstGeom>
-          <a:ln>
-            <a:headEnd type="arrow"/>
-            <a:tailEnd type="arrow"/>
-          </a:ln>
-        </p:spPr>
-        <p:style>
-          <a:lnRef idx="1">
-            <a:schemeClr val="dk1"/>
-          </a:lnRef>
-          <a:fillRef idx="0">
-            <a:schemeClr val="dk1"/>
-          </a:fillRef>
-          <a:effectRef idx="0">
-            <a:schemeClr val="dk1"/>
-          </a:effectRef>
-          <a:fontRef idx="minor">
-            <a:schemeClr val="tx1"/>
-          </a:fontRef>
-        </p:style>
-      </p:cxnSp>
-      <p:sp>
-        <p:nvSpPr>
-          <p:cNvPr id="32" name="Rectangle 31"/>
-          <p:cNvSpPr/>
-          <p:nvPr/>
-        </p:nvSpPr>
-        <p:spPr>
-          <a:xfrm>
-            <a:off x="4931393" y="5104072"/>
-            <a:ext cx="1611338" cy="368292"/>
-          </a:xfrm>
-          <a:prstGeom prst="rect">
-            <a:avLst/>
-          </a:prstGeom>
-          <a:solidFill>
-            <a:srgbClr val="E6E6E6"/>
-          </a:solidFill>
-        </p:spPr>
-        <p:style>
-          <a:lnRef idx="2">
-            <a:schemeClr val="dk1"/>
-          </a:lnRef>
-          <a:fillRef idx="1">
-            <a:schemeClr val="lt1"/>
-          </a:fillRef>
-          <a:effectRef idx="0">
-            <a:schemeClr val="dk1"/>
-          </a:effectRef>
-          <a:fontRef idx="minor">
-            <a:schemeClr val="dk1"/>
-          </a:fontRef>
-        </p:style>
-        <p:txBody>
-          <a:bodyPr rtlCol="0" anchor="ctr"/>
-          <a:lstStyle/>
-          <a:p>
-            <a:pPr algn="ctr"/>
-            <a:r>
-              <a:rPr lang="en-US" sz="1600" dirty="0" smtClean="0"/>
-              <a:t>Pacing Buffer</a:t>
-            </a:r>
-            <a:endParaRPr lang="en-US" sz="1600" dirty="0"/>
-          </a:p>
-        </p:txBody>
-      </p:sp>
-      <p:cxnSp>
-        <p:nvCxnSpPr>
-          <p:cNvPr id="35" name="Straight Arrow Connector 34"/>
-          <p:cNvCxnSpPr/>
-          <p:nvPr/>
-        </p:nvCxnSpPr>
-        <p:spPr>
-          <a:xfrm>
-            <a:off x="5750717" y="5472364"/>
-            <a:ext cx="0" cy="251595"/>
-          </a:xfrm>
-          <a:prstGeom prst="straightConnector1">
-            <a:avLst/>
-          </a:prstGeom>
-          <a:ln>
-            <a:headEnd type="arrow"/>
-            <a:tailEnd type="arrow"/>
-          </a:ln>
-        </p:spPr>
-        <p:style>
-          <a:lnRef idx="1">
-            <a:schemeClr val="dk1"/>
-          </a:lnRef>
-          <a:fillRef idx="0">
-            <a:schemeClr val="dk1"/>
-          </a:fillRef>
-          <a:effectRef idx="0">
-            <a:schemeClr val="dk1"/>
+            <a:schemeClr val="accent3"/>
           </a:effectRef>
           <a:fontRef idx="minor">
             <a:schemeClr val="tx1"/>
@@ -8138,7 +7969,7 @@
     </p:spTree>
     <p:extLst>
       <p:ext uri="{BB962C8B-B14F-4D97-AF65-F5344CB8AC3E}">
-        <p14:creationId xmlns:p14="http://schemas.microsoft.com/office/powerpoint/2010/main" val="902006669"/>
+        <p14:creationId xmlns:p14="http://schemas.microsoft.com/office/powerpoint/2010/main" val="898214967"/>
       </p:ext>
     </p:extLst>
   </p:cSld>
@@ -8182,7 +8013,7 @@
           <a:p>
             <a:r>
               <a:rPr lang="en-US" dirty="0" smtClean="0"/>
-              <a:t>RFC 6363: FEC Framework</a:t>
+              <a:t>CC Framework</a:t>
             </a:r>
             <a:endParaRPr lang="en-US" dirty="0"/>
           </a:p>
@@ -8312,144 +8143,6 @@
             <a:r>
               <a:rPr lang="en-US" dirty="0" smtClean="0"/>
               <a:t>RTP Packets</a:t>
-            </a:r>
-            <a:endParaRPr lang="en-US" dirty="0"/>
-          </a:p>
-        </p:txBody>
-      </p:sp>
-      <p:sp>
-        <p:nvSpPr>
-          <p:cNvPr id="7" name="Rectangle 6"/>
-          <p:cNvSpPr/>
-          <p:nvPr/>
-        </p:nvSpPr>
-        <p:spPr>
-          <a:xfrm>
-            <a:off x="3236160" y="3832910"/>
-            <a:ext cx="860291" cy="723690"/>
-          </a:xfrm>
-          <a:prstGeom prst="rect">
-            <a:avLst/>
-          </a:prstGeom>
-          <a:solidFill>
-            <a:schemeClr val="accent6">
-              <a:lumMod val="20000"/>
-              <a:lumOff val="80000"/>
-            </a:schemeClr>
-          </a:solidFill>
-        </p:spPr>
-        <p:style>
-          <a:lnRef idx="2">
-            <a:schemeClr val="dk1"/>
-          </a:lnRef>
-          <a:fillRef idx="1">
-            <a:schemeClr val="lt1"/>
-          </a:fillRef>
-          <a:effectRef idx="0">
-            <a:schemeClr val="dk1"/>
-          </a:effectRef>
-          <a:fontRef idx="minor">
-            <a:schemeClr val="dk1"/>
-          </a:fontRef>
-        </p:style>
-        <p:txBody>
-          <a:bodyPr rtlCol="0" anchor="ctr"/>
-          <a:lstStyle/>
-          <a:p>
-            <a:pPr algn="ctr"/>
-            <a:r>
-              <a:rPr lang="en-US" dirty="0" smtClean="0"/>
-              <a:t>FEC Code</a:t>
-            </a:r>
-            <a:endParaRPr lang="en-US" dirty="0"/>
-          </a:p>
-        </p:txBody>
-      </p:sp>
-      <p:sp>
-        <p:nvSpPr>
-          <p:cNvPr id="8" name="Rectangle 7"/>
-          <p:cNvSpPr/>
-          <p:nvPr/>
-        </p:nvSpPr>
-        <p:spPr>
-          <a:xfrm>
-            <a:off x="4931393" y="3832909"/>
-            <a:ext cx="1611338" cy="723691"/>
-          </a:xfrm>
-          <a:prstGeom prst="rect">
-            <a:avLst/>
-          </a:prstGeom>
-          <a:solidFill>
-            <a:srgbClr val="DDD1ED"/>
-          </a:solidFill>
-        </p:spPr>
-        <p:style>
-          <a:lnRef idx="2">
-            <a:schemeClr val="dk1"/>
-          </a:lnRef>
-          <a:fillRef idx="1">
-            <a:schemeClr val="lt1"/>
-          </a:fillRef>
-          <a:effectRef idx="0">
-            <a:schemeClr val="dk1"/>
-          </a:effectRef>
-          <a:fontRef idx="minor">
-            <a:schemeClr val="dk1"/>
-          </a:fontRef>
-        </p:style>
-        <p:txBody>
-          <a:bodyPr rtlCol="0" anchor="ctr"/>
-          <a:lstStyle/>
-          <a:p>
-            <a:pPr algn="ctr"/>
-            <a:r>
-              <a:rPr lang="en-US" dirty="0" smtClean="0"/>
-              <a:t>FEC Module</a:t>
-            </a:r>
-            <a:endParaRPr lang="en-US" dirty="0"/>
-          </a:p>
-        </p:txBody>
-      </p:sp>
-      <p:sp>
-        <p:nvSpPr>
-          <p:cNvPr id="9" name="Rectangle 8"/>
-          <p:cNvSpPr/>
-          <p:nvPr/>
-        </p:nvSpPr>
-        <p:spPr>
-          <a:xfrm>
-            <a:off x="4931393" y="5104072"/>
-            <a:ext cx="1611338" cy="368292"/>
-          </a:xfrm>
-          <a:prstGeom prst="rect">
-            <a:avLst/>
-          </a:prstGeom>
-          <a:solidFill>
-            <a:srgbClr val="E6E6E6"/>
-          </a:solidFill>
-        </p:spPr>
-        <p:style>
-          <a:lnRef idx="2">
-            <a:schemeClr val="dk1"/>
-          </a:lnRef>
-          <a:fillRef idx="1">
-            <a:schemeClr val="lt1"/>
-          </a:fillRef>
-          <a:effectRef idx="0">
-            <a:schemeClr val="dk1"/>
-          </a:effectRef>
-          <a:fontRef idx="minor">
-            <a:schemeClr val="dk1"/>
-          </a:fontRef>
-        </p:style>
-        <p:txBody>
-          <a:bodyPr rtlCol="0" anchor="ctr"/>
-          <a:lstStyle/>
-          <a:p>
-            <a:pPr algn="ctr"/>
-            <a:r>
-              <a:rPr lang="en-US" dirty="0" smtClean="0"/>
-              <a:t>RTP (De)mux</a:t>
             </a:r>
             <a:endParaRPr lang="en-US" dirty="0"/>
           </a:p>
@@ -8556,156 +8249,6 @@
             <a:avLst/>
           </a:prstGeom>
           <a:ln>
-            <a:headEnd type="arrow"/>
-            <a:tailEnd type="arrow"/>
-          </a:ln>
-        </p:spPr>
-        <p:style>
-          <a:lnRef idx="1">
-            <a:schemeClr val="dk1"/>
-          </a:lnRef>
-          <a:fillRef idx="0">
-            <a:schemeClr val="dk1"/>
-          </a:fillRef>
-          <a:effectRef idx="0">
-            <a:schemeClr val="dk1"/>
-          </a:effectRef>
-          <a:fontRef idx="minor">
-            <a:schemeClr val="tx1"/>
-          </a:fontRef>
-        </p:style>
-      </p:cxnSp>
-      <p:cxnSp>
-        <p:nvCxnSpPr>
-          <p:cNvPr id="16" name="Straight Arrow Connector 15"/>
-          <p:cNvCxnSpPr/>
-          <p:nvPr/>
-        </p:nvCxnSpPr>
-        <p:spPr>
-          <a:xfrm rot="16200000" flipH="1">
-            <a:off x="4212423" y="2513095"/>
-            <a:ext cx="439146" cy="2200482"/>
-          </a:xfrm>
-          <a:prstGeom prst="bentConnector3">
-            <a:avLst>
-              <a:gd name="adj1" fmla="val 50000"/>
-            </a:avLst>
-          </a:prstGeom>
-          <a:ln>
-            <a:solidFill>
-              <a:srgbClr val="1C82AF"/>
-            </a:solidFill>
-            <a:headEnd type="arrow"/>
-            <a:tailEnd type="arrow"/>
-          </a:ln>
-        </p:spPr>
-        <p:style>
-          <a:lnRef idx="1">
-            <a:schemeClr val="dk1"/>
-          </a:lnRef>
-          <a:fillRef idx="0">
-            <a:schemeClr val="dk1"/>
-          </a:fillRef>
-          <a:effectRef idx="0">
-            <a:schemeClr val="dk1"/>
-          </a:effectRef>
-          <a:fontRef idx="minor">
-            <a:schemeClr val="tx1"/>
-          </a:fontRef>
-        </p:style>
-      </p:cxnSp>
-      <p:cxnSp>
-        <p:nvCxnSpPr>
-          <p:cNvPr id="19" name="Straight Arrow Connector 18"/>
-          <p:cNvCxnSpPr>
-            <a:stCxn id="6" idx="2"/>
-            <a:endCxn id="8" idx="0"/>
-          </p:cNvCxnSpPr>
-          <p:nvPr/>
-        </p:nvCxnSpPr>
-        <p:spPr>
-          <a:xfrm>
-            <a:off x="5737062" y="3387126"/>
-            <a:ext cx="0" cy="445783"/>
-          </a:xfrm>
-          <a:prstGeom prst="straightConnector1">
-            <a:avLst/>
-          </a:prstGeom>
-          <a:ln>
-            <a:headEnd type="arrow"/>
-            <a:tailEnd type="arrow"/>
-          </a:ln>
-        </p:spPr>
-        <p:style>
-          <a:lnRef idx="1">
-            <a:schemeClr val="dk1"/>
-          </a:lnRef>
-          <a:fillRef idx="0">
-            <a:schemeClr val="dk1"/>
-          </a:fillRef>
-          <a:effectRef idx="0">
-            <a:schemeClr val="dk1"/>
-          </a:effectRef>
-          <a:fontRef idx="minor">
-            <a:schemeClr val="tx1"/>
-          </a:fontRef>
-        </p:style>
-      </p:cxnSp>
-      <p:cxnSp>
-        <p:nvCxnSpPr>
-          <p:cNvPr id="23" name="Straight Arrow Connector 22"/>
-          <p:cNvCxnSpPr/>
-          <p:nvPr/>
-        </p:nvCxnSpPr>
-        <p:spPr>
-          <a:xfrm>
-            <a:off x="4096451" y="4054700"/>
-            <a:ext cx="834942" cy="0"/>
-          </a:xfrm>
-          <a:prstGeom prst="straightConnector1">
-            <a:avLst/>
-          </a:prstGeom>
-          <a:ln>
-            <a:solidFill>
-              <a:schemeClr val="accent1"/>
-            </a:solidFill>
-            <a:headEnd type="arrow"/>
-            <a:tailEnd type="arrow"/>
-          </a:ln>
-        </p:spPr>
-        <p:style>
-          <a:lnRef idx="1">
-            <a:schemeClr val="dk1"/>
-          </a:lnRef>
-          <a:fillRef idx="0">
-            <a:schemeClr val="dk1"/>
-          </a:fillRef>
-          <a:effectRef idx="0">
-            <a:schemeClr val="dk1"/>
-          </a:effectRef>
-          <a:fontRef idx="minor">
-            <a:schemeClr val="tx1"/>
-          </a:fontRef>
-        </p:style>
-      </p:cxnSp>
-      <p:cxnSp>
-        <p:nvCxnSpPr>
-          <p:cNvPr id="26" name="Straight Arrow Connector 25"/>
-          <p:cNvCxnSpPr/>
-          <p:nvPr/>
-        </p:nvCxnSpPr>
-        <p:spPr>
-          <a:xfrm>
-            <a:off x="5384212" y="4556600"/>
-            <a:ext cx="0" cy="547472"/>
-          </a:xfrm>
-          <a:prstGeom prst="straightConnector1">
-            <a:avLst/>
-          </a:prstGeom>
-          <a:ln>
-            <a:solidFill>
-              <a:srgbClr val="1C82AF"/>
-            </a:solidFill>
             <a:headEnd type="arrow"/>
             <a:tailEnd type="arrow"/>
           </a:ln>
@@ -8733,8 +8276,8 @@
         </p:nvCxnSpPr>
         <p:spPr>
           <a:xfrm>
-            <a:off x="6065020" y="4561419"/>
-            <a:ext cx="0" cy="542653"/>
+            <a:off x="5750717" y="3387126"/>
+            <a:ext cx="0" cy="1710309"/>
           </a:xfrm>
           <a:prstGeom prst="straightConnector1">
             <a:avLst/>
@@ -8759,52 +8302,16 @@
           </a:fontRef>
         </p:style>
       </p:cxnSp>
-      <p:cxnSp>
-        <p:nvCxnSpPr>
-          <p:cNvPr id="29" name="Straight Arrow Connector 28"/>
-          <p:cNvCxnSpPr>
-            <a:stCxn id="9" idx="2"/>
-          </p:cNvCxnSpPr>
-          <p:nvPr/>
-        </p:nvCxnSpPr>
-        <p:spPr>
-          <a:xfrm>
-            <a:off x="5737062" y="5472364"/>
-            <a:ext cx="0" cy="251595"/>
-          </a:xfrm>
-          <a:prstGeom prst="straightConnector1">
-            <a:avLst/>
-          </a:prstGeom>
-          <a:ln>
-            <a:headEnd type="arrow"/>
-            <a:tailEnd type="arrow"/>
-          </a:ln>
-        </p:spPr>
-        <p:style>
-          <a:lnRef idx="1">
-            <a:schemeClr val="dk1"/>
-          </a:lnRef>
-          <a:fillRef idx="0">
-            <a:schemeClr val="dk1"/>
-          </a:fillRef>
-          <a:effectRef idx="0">
-            <a:schemeClr val="dk1"/>
-          </a:effectRef>
-          <a:fontRef idx="minor">
-            <a:schemeClr val="tx1"/>
-          </a:fontRef>
-        </p:style>
-      </p:cxnSp>
-      <p:sp>
-        <p:nvSpPr>
-          <p:cNvPr id="30" name="TextBox 29"/>
+      <p:sp>
+        <p:nvSpPr>
+          <p:cNvPr id="28" name="TextBox 27"/>
           <p:cNvSpPr txBox="1"/>
           <p:nvPr/>
         </p:nvSpPr>
         <p:spPr>
-          <a:xfrm>
-            <a:off x="4420906" y="4643211"/>
-            <a:ext cx="1005403" cy="276999"/>
+          <a:xfrm rot="5400000">
+            <a:off x="6258595" y="3949043"/>
+            <a:ext cx="1479892" cy="369332"/>
           </a:xfrm>
           <a:prstGeom prst="rect">
             <a:avLst/>
@@ -8818,10 +8325,10 @@
           <a:lstStyle/>
           <a:p>
             <a:r>
-              <a:rPr lang="en-US" sz="1200" dirty="0" smtClean="0"/>
-              <a:t>Repair RTP</a:t>
-            </a:r>
-            <a:endParaRPr lang="en-US" sz="1200" dirty="0"/>
+              <a:rPr lang="en-US" dirty="0" smtClean="0"/>
+              <a:t>Source RTP</a:t>
+            </a:r>
+            <a:endParaRPr lang="en-US" dirty="0"/>
           </a:p>
         </p:txBody>
       </p:sp>
@@ -8877,9 +8384,6 @@
             <a:avLst/>
           </a:prstGeom>
           <a:ln>
-            <a:solidFill>
-              <a:srgbClr val="1C82AF"/>
-            </a:solidFill>
             <a:headEnd type="arrow"/>
             <a:tailEnd type="arrow"/>
           </a:ln>
@@ -8899,28 +8403,51 @@
           </a:fontRef>
         </p:style>
       </p:cxnSp>
+      <p:sp>
+        <p:nvSpPr>
+          <p:cNvPr id="55" name="TextBox 54"/>
+          <p:cNvSpPr txBox="1"/>
+          <p:nvPr/>
+        </p:nvSpPr>
+        <p:spPr>
+          <a:xfrm>
+            <a:off x="3123236" y="4358418"/>
+            <a:ext cx="1147698" cy="369332"/>
+          </a:xfrm>
+          <a:prstGeom prst="rect">
+            <a:avLst/>
+          </a:prstGeom>
+          <a:noFill/>
+        </p:spPr>
+        <p:txBody>
+          <a:bodyPr wrap="none" rtlCol="0">
+            <a:spAutoFit/>
+          </a:bodyPr>
+          <a:lstStyle/>
+          <a:p>
+            <a:r>
+              <a:rPr lang="en-US" dirty="0" smtClean="0"/>
+              <a:t>RTCP FB</a:t>
+            </a:r>
+            <a:endParaRPr lang="en-US" dirty="0"/>
+          </a:p>
+        </p:txBody>
+      </p:sp>
       <p:cxnSp>
         <p:nvCxnSpPr>
-          <p:cNvPr id="45" name="Straight Arrow Connector 44"/>
-          <p:cNvCxnSpPr>
-            <a:stCxn id="8" idx="1"/>
-          </p:cNvCxnSpPr>
+          <p:cNvPr id="31" name="Straight Arrow Connector 30"/>
+          <p:cNvCxnSpPr/>
           <p:nvPr/>
         </p:nvCxnSpPr>
         <p:spPr>
-          <a:xfrm rot="10800000" flipV="1">
-            <a:off x="2992325" y="4194754"/>
-            <a:ext cx="1939068" cy="969283"/>
-          </a:xfrm>
-          <a:prstGeom prst="bentConnector3">
-            <a:avLst>
-              <a:gd name="adj1" fmla="val 30986"/>
-            </a:avLst>
+          <a:xfrm>
+            <a:off x="5846534" y="2267869"/>
+            <a:ext cx="0" cy="384528"/>
+          </a:xfrm>
+          <a:prstGeom prst="straightConnector1">
+            <a:avLst/>
           </a:prstGeom>
           <a:ln>
-            <a:solidFill>
-              <a:srgbClr val="1C82AF"/>
-            </a:solidFill>
             <a:headEnd type="arrow"/>
             <a:tailEnd type="arrow"/>
           </a:ln>
@@ -8942,44 +8469,59 @@
       </p:cxnSp>
       <p:sp>
         <p:nvSpPr>
-          <p:cNvPr id="55" name="TextBox 54"/>
-          <p:cNvSpPr txBox="1"/>
-          <p:nvPr/>
-        </p:nvSpPr>
-        <p:spPr>
-          <a:xfrm>
-            <a:off x="1904224" y="4827073"/>
-            <a:ext cx="1147698" cy="369332"/>
+          <p:cNvPr id="32" name="Rectangle 31"/>
+          <p:cNvSpPr/>
+          <p:nvPr/>
+        </p:nvSpPr>
+        <p:spPr>
+          <a:xfrm>
+            <a:off x="4931393" y="5104072"/>
+            <a:ext cx="1611338" cy="368292"/>
           </a:xfrm>
           <a:prstGeom prst="rect">
             <a:avLst/>
           </a:prstGeom>
-          <a:noFill/>
-        </p:spPr>
-        <p:txBody>
-          <a:bodyPr wrap="none" rtlCol="0">
-            <a:spAutoFit/>
-          </a:bodyPr>
-          <a:lstStyle/>
-          <a:p>
-            <a:r>
-              <a:rPr lang="en-US" dirty="0" smtClean="0"/>
-              <a:t>RTCP FB</a:t>
-            </a:r>
-            <a:endParaRPr lang="en-US" dirty="0"/>
+          <a:solidFill>
+            <a:srgbClr val="E6E6E6"/>
+          </a:solidFill>
+        </p:spPr>
+        <p:style>
+          <a:lnRef idx="2">
+            <a:schemeClr val="dk1"/>
+          </a:lnRef>
+          <a:fillRef idx="1">
+            <a:schemeClr val="lt1"/>
+          </a:fillRef>
+          <a:effectRef idx="0">
+            <a:schemeClr val="dk1"/>
+          </a:effectRef>
+          <a:fontRef idx="minor">
+            <a:schemeClr val="dk1"/>
+          </a:fontRef>
+        </p:style>
+        <p:txBody>
+          <a:bodyPr rtlCol="0" anchor="ctr"/>
+          <a:lstStyle/>
+          <a:p>
+            <a:pPr algn="ctr"/>
+            <a:r>
+              <a:rPr lang="en-US" sz="1600" dirty="0" smtClean="0"/>
+              <a:t>Pacing Buffer</a:t>
+            </a:r>
+            <a:endParaRPr lang="en-US" sz="1600" dirty="0"/>
           </a:p>
         </p:txBody>
       </p:sp>
       <p:cxnSp>
         <p:nvCxnSpPr>
-          <p:cNvPr id="64" name="Straight Arrow Connector 63"/>
+          <p:cNvPr id="35" name="Straight Arrow Connector 34"/>
           <p:cNvCxnSpPr/>
           <p:nvPr/>
         </p:nvCxnSpPr>
         <p:spPr>
           <a:xfrm>
-            <a:off x="5846534" y="2267869"/>
-            <a:ext cx="0" cy="384528"/>
+            <a:off x="5750717" y="5472364"/>
+            <a:ext cx="0" cy="251595"/>
           </a:xfrm>
           <a:prstGeom prst="straightConnector1">
             <a:avLst/>
@@ -9004,40 +8546,10 @@
           </a:fontRef>
         </p:style>
       </p:cxnSp>
-      <p:sp>
-        <p:nvSpPr>
-          <p:cNvPr id="65" name="TextBox 64"/>
-          <p:cNvSpPr txBox="1"/>
-          <p:nvPr/>
-        </p:nvSpPr>
-        <p:spPr>
-          <a:xfrm rot="5400000">
-            <a:off x="6258595" y="3949043"/>
-            <a:ext cx="1479892" cy="369332"/>
-          </a:xfrm>
-          <a:prstGeom prst="rect">
-            <a:avLst/>
-          </a:prstGeom>
-          <a:noFill/>
-        </p:spPr>
-        <p:txBody>
-          <a:bodyPr wrap="none" rtlCol="0">
-            <a:spAutoFit/>
-          </a:bodyPr>
-          <a:lstStyle/>
-          <a:p>
-            <a:r>
-              <a:rPr lang="en-US" dirty="0" smtClean="0"/>
-              <a:t>Source RTP</a:t>
-            </a:r>
-            <a:endParaRPr lang="en-US" dirty="0"/>
-          </a:p>
-        </p:txBody>
-      </p:sp>
     </p:spTree>
     <p:extLst>
       <p:ext uri="{BB962C8B-B14F-4D97-AF65-F5344CB8AC3E}">
-        <p14:creationId xmlns:p14="http://schemas.microsoft.com/office/powerpoint/2010/main" val="70391954"/>
+        <p14:creationId xmlns:p14="http://schemas.microsoft.com/office/powerpoint/2010/main" val="902006669"/>
       </p:ext>
     </p:extLst>
   </p:cSld>
@@ -9081,54 +8593,634 @@
           <a:p>
             <a:r>
               <a:rPr lang="en-US" dirty="0" smtClean="0"/>
-              <a:t>State Machine</a:t>
+              <a:t>RFC 6363: FEC Framework</a:t>
             </a:r>
             <a:endParaRPr lang="en-US" dirty="0"/>
           </a:p>
         </p:txBody>
       </p:sp>
-      <p:pic>
-        <p:nvPicPr>
-          <p:cNvPr id="4" name="Content Placeholder 3" descr="fec_theory_model.pdf"/>
-          <p:cNvPicPr>
-            <a:picLocks noGrp="1" noChangeAspect="1"/>
-          </p:cNvPicPr>
-          <p:nvPr>
-            <p:ph idx="1"/>
-          </p:nvPr>
-        </p:nvPicPr>
-        <p:blipFill>
-          <a:blip r:embed="rId2">
-            <a:extLst>
-              <a:ext uri="{28A0092B-C50C-407E-A947-70E740481C1C}">
-                <a14:useLocalDpi xmlns:a14="http://schemas.microsoft.com/office/drawing/2010/main" val="0"/>
-              </a:ext>
-            </a:extLst>
-          </a:blip>
-          <a:srcRect t="3465" b="3465"/>
-          <a:stretch>
-            <a:fillRect/>
-          </a:stretch>
-        </p:blipFill>
-        <p:spPr/>
-      </p:pic>
-      <p:sp>
-        <p:nvSpPr>
-          <p:cNvPr id="5" name="TextBox 4"/>
+      <p:sp>
+        <p:nvSpPr>
+          <p:cNvPr id="4" name="Rectangle 3"/>
+          <p:cNvSpPr/>
+          <p:nvPr/>
+        </p:nvSpPr>
+        <p:spPr>
+          <a:xfrm>
+            <a:off x="2730910" y="1561853"/>
+            <a:ext cx="4082965" cy="723691"/>
+          </a:xfrm>
+          <a:prstGeom prst="rect">
+            <a:avLst/>
+          </a:prstGeom>
+        </p:spPr>
+        <p:style>
+          <a:lnRef idx="2">
+            <a:schemeClr val="dk1"/>
+          </a:lnRef>
+          <a:fillRef idx="1">
+            <a:schemeClr val="lt1"/>
+          </a:fillRef>
+          <a:effectRef idx="0">
+            <a:schemeClr val="dk1"/>
+          </a:effectRef>
+          <a:fontRef idx="minor">
+            <a:schemeClr val="dk1"/>
+          </a:fontRef>
+        </p:style>
+        <p:txBody>
+          <a:bodyPr rtlCol="0" anchor="ctr"/>
+          <a:lstStyle/>
+          <a:p>
+            <a:pPr algn="ctr"/>
+            <a:r>
+              <a:rPr lang="en-US" dirty="0" smtClean="0"/>
+              <a:t>Media Encoder</a:t>
+            </a:r>
+            <a:endParaRPr lang="en-US" dirty="0"/>
+          </a:p>
+        </p:txBody>
+      </p:sp>
+      <p:sp>
+        <p:nvSpPr>
+          <p:cNvPr id="5" name="Rectangle 4"/>
+          <p:cNvSpPr/>
+          <p:nvPr/>
+        </p:nvSpPr>
+        <p:spPr>
+          <a:xfrm>
+            <a:off x="2730911" y="2670072"/>
+            <a:ext cx="1611338" cy="723691"/>
+          </a:xfrm>
+          <a:prstGeom prst="rect">
+            <a:avLst/>
+          </a:prstGeom>
+          <a:solidFill>
+            <a:schemeClr val="bg2"/>
+          </a:solidFill>
+        </p:spPr>
+        <p:style>
+          <a:lnRef idx="2">
+            <a:schemeClr val="dk1"/>
+          </a:lnRef>
+          <a:fillRef idx="1">
+            <a:schemeClr val="lt1"/>
+          </a:fillRef>
+          <a:effectRef idx="0">
+            <a:schemeClr val="dk1"/>
+          </a:effectRef>
+          <a:fontRef idx="minor">
+            <a:schemeClr val="dk1"/>
+          </a:fontRef>
+        </p:style>
+        <p:txBody>
+          <a:bodyPr rtlCol="0" anchor="ctr"/>
+          <a:lstStyle/>
+          <a:p>
+            <a:pPr algn="ctr"/>
+            <a:r>
+              <a:rPr lang="en-US" dirty="0" smtClean="0"/>
+              <a:t>Rate Controller</a:t>
+            </a:r>
+            <a:endParaRPr lang="en-US" dirty="0"/>
+          </a:p>
+        </p:txBody>
+      </p:sp>
+      <p:sp>
+        <p:nvSpPr>
+          <p:cNvPr id="6" name="Rectangle 5"/>
+          <p:cNvSpPr/>
+          <p:nvPr/>
+        </p:nvSpPr>
+        <p:spPr>
+          <a:xfrm>
+            <a:off x="4931393" y="2663435"/>
+            <a:ext cx="1611338" cy="723691"/>
+          </a:xfrm>
+          <a:prstGeom prst="rect">
+            <a:avLst/>
+          </a:prstGeom>
+        </p:spPr>
+        <p:style>
+          <a:lnRef idx="2">
+            <a:schemeClr val="dk1"/>
+          </a:lnRef>
+          <a:fillRef idx="1">
+            <a:schemeClr val="lt1"/>
+          </a:fillRef>
+          <a:effectRef idx="0">
+            <a:schemeClr val="dk1"/>
+          </a:effectRef>
+          <a:fontRef idx="minor">
+            <a:schemeClr val="dk1"/>
+          </a:fontRef>
+        </p:style>
+        <p:txBody>
+          <a:bodyPr rtlCol="0" anchor="ctr"/>
+          <a:lstStyle/>
+          <a:p>
+            <a:pPr algn="ctr"/>
+            <a:r>
+              <a:rPr lang="en-US" dirty="0" smtClean="0"/>
+              <a:t>RTP Packets</a:t>
+            </a:r>
+            <a:endParaRPr lang="en-US" dirty="0"/>
+          </a:p>
+        </p:txBody>
+      </p:sp>
+      <p:sp>
+        <p:nvSpPr>
+          <p:cNvPr id="7" name="Rectangle 6"/>
+          <p:cNvSpPr/>
+          <p:nvPr/>
+        </p:nvSpPr>
+        <p:spPr>
+          <a:xfrm>
+            <a:off x="3236160" y="3832910"/>
+            <a:ext cx="860291" cy="723690"/>
+          </a:xfrm>
+          <a:prstGeom prst="rect">
+            <a:avLst/>
+          </a:prstGeom>
+          <a:solidFill>
+            <a:schemeClr val="accent6">
+              <a:lumMod val="20000"/>
+              <a:lumOff val="80000"/>
+            </a:schemeClr>
+          </a:solidFill>
+        </p:spPr>
+        <p:style>
+          <a:lnRef idx="2">
+            <a:schemeClr val="dk1"/>
+          </a:lnRef>
+          <a:fillRef idx="1">
+            <a:schemeClr val="lt1"/>
+          </a:fillRef>
+          <a:effectRef idx="0">
+            <a:schemeClr val="dk1"/>
+          </a:effectRef>
+          <a:fontRef idx="minor">
+            <a:schemeClr val="dk1"/>
+          </a:fontRef>
+        </p:style>
+        <p:txBody>
+          <a:bodyPr rtlCol="0" anchor="ctr"/>
+          <a:lstStyle/>
+          <a:p>
+            <a:pPr algn="ctr"/>
+            <a:r>
+              <a:rPr lang="en-US" dirty="0" smtClean="0"/>
+              <a:t>FEC Code</a:t>
+            </a:r>
+            <a:endParaRPr lang="en-US" dirty="0"/>
+          </a:p>
+        </p:txBody>
+      </p:sp>
+      <p:sp>
+        <p:nvSpPr>
+          <p:cNvPr id="8" name="Rectangle 7"/>
+          <p:cNvSpPr/>
+          <p:nvPr/>
+        </p:nvSpPr>
+        <p:spPr>
+          <a:xfrm>
+            <a:off x="4931393" y="3832909"/>
+            <a:ext cx="1611338" cy="723691"/>
+          </a:xfrm>
+          <a:prstGeom prst="rect">
+            <a:avLst/>
+          </a:prstGeom>
+          <a:solidFill>
+            <a:srgbClr val="DDD1ED"/>
+          </a:solidFill>
+        </p:spPr>
+        <p:style>
+          <a:lnRef idx="2">
+            <a:schemeClr val="dk1"/>
+          </a:lnRef>
+          <a:fillRef idx="1">
+            <a:schemeClr val="lt1"/>
+          </a:fillRef>
+          <a:effectRef idx="0">
+            <a:schemeClr val="dk1"/>
+          </a:effectRef>
+          <a:fontRef idx="minor">
+            <a:schemeClr val="dk1"/>
+          </a:fontRef>
+        </p:style>
+        <p:txBody>
+          <a:bodyPr rtlCol="0" anchor="ctr"/>
+          <a:lstStyle/>
+          <a:p>
+            <a:pPr algn="ctr"/>
+            <a:r>
+              <a:rPr lang="en-US" dirty="0" smtClean="0"/>
+              <a:t>FEC Module</a:t>
+            </a:r>
+            <a:endParaRPr lang="en-US" dirty="0"/>
+          </a:p>
+        </p:txBody>
+      </p:sp>
+      <p:sp>
+        <p:nvSpPr>
+          <p:cNvPr id="9" name="Rectangle 8"/>
+          <p:cNvSpPr/>
+          <p:nvPr/>
+        </p:nvSpPr>
+        <p:spPr>
+          <a:xfrm>
+            <a:off x="4931393" y="5104072"/>
+            <a:ext cx="1611338" cy="368292"/>
+          </a:xfrm>
+          <a:prstGeom prst="rect">
+            <a:avLst/>
+          </a:prstGeom>
+          <a:solidFill>
+            <a:srgbClr val="E6E6E6"/>
+          </a:solidFill>
+        </p:spPr>
+        <p:style>
+          <a:lnRef idx="2">
+            <a:schemeClr val="dk1"/>
+          </a:lnRef>
+          <a:fillRef idx="1">
+            <a:schemeClr val="lt1"/>
+          </a:fillRef>
+          <a:effectRef idx="0">
+            <a:schemeClr val="dk1"/>
+          </a:effectRef>
+          <a:fontRef idx="minor">
+            <a:schemeClr val="dk1"/>
+          </a:fontRef>
+        </p:style>
+        <p:txBody>
+          <a:bodyPr rtlCol="0" anchor="ctr"/>
+          <a:lstStyle/>
+          <a:p>
+            <a:pPr algn="ctr"/>
+            <a:r>
+              <a:rPr lang="en-US" dirty="0" smtClean="0"/>
+              <a:t>RTP (De)mux</a:t>
+            </a:r>
+            <a:endParaRPr lang="en-US" dirty="0"/>
+          </a:p>
+        </p:txBody>
+      </p:sp>
+      <p:sp>
+        <p:nvSpPr>
+          <p:cNvPr id="10" name="Rectangle 9"/>
+          <p:cNvSpPr/>
+          <p:nvPr/>
+        </p:nvSpPr>
+        <p:spPr>
+          <a:xfrm>
+            <a:off x="2730910" y="5723959"/>
+            <a:ext cx="4082965" cy="363857"/>
+          </a:xfrm>
+          <a:prstGeom prst="rect">
+            <a:avLst/>
+          </a:prstGeom>
+        </p:spPr>
+        <p:style>
+          <a:lnRef idx="2">
+            <a:schemeClr val="dk1"/>
+          </a:lnRef>
+          <a:fillRef idx="1">
+            <a:schemeClr val="lt1"/>
+          </a:fillRef>
+          <a:effectRef idx="0">
+            <a:schemeClr val="dk1"/>
+          </a:effectRef>
+          <a:fontRef idx="minor">
+            <a:schemeClr val="dk1"/>
+          </a:fontRef>
+        </p:style>
+        <p:txBody>
+          <a:bodyPr rtlCol="0" anchor="ctr"/>
+          <a:lstStyle/>
+          <a:p>
+            <a:pPr algn="ctr"/>
+            <a:r>
+              <a:rPr lang="en-US" dirty="0" smtClean="0"/>
+              <a:t>Transport Layer (UDP)</a:t>
+            </a:r>
+            <a:endParaRPr lang="en-US" dirty="0"/>
+          </a:p>
+        </p:txBody>
+      </p:sp>
+      <p:sp>
+        <p:nvSpPr>
+          <p:cNvPr id="12" name="Rectangle 11"/>
+          <p:cNvSpPr/>
+          <p:nvPr/>
+        </p:nvSpPr>
+        <p:spPr>
+          <a:xfrm>
+            <a:off x="2730911" y="6417116"/>
+            <a:ext cx="4082965" cy="363857"/>
+          </a:xfrm>
+          <a:prstGeom prst="rect">
+            <a:avLst/>
+          </a:prstGeom>
+        </p:spPr>
+        <p:style>
+          <a:lnRef idx="2">
+            <a:schemeClr val="dk1"/>
+          </a:lnRef>
+          <a:fillRef idx="1">
+            <a:schemeClr val="lt1"/>
+          </a:fillRef>
+          <a:effectRef idx="0">
+            <a:schemeClr val="dk1"/>
+          </a:effectRef>
+          <a:fontRef idx="minor">
+            <a:schemeClr val="dk1"/>
+          </a:fontRef>
+        </p:style>
+        <p:txBody>
+          <a:bodyPr rtlCol="0" anchor="ctr"/>
+          <a:lstStyle/>
+          <a:p>
+            <a:pPr algn="ctr"/>
+            <a:r>
+              <a:rPr lang="en-US" dirty="0" smtClean="0"/>
+              <a:t>IP</a:t>
+            </a:r>
+            <a:endParaRPr lang="en-US" dirty="0"/>
+          </a:p>
+        </p:txBody>
+      </p:sp>
+      <p:cxnSp>
+        <p:nvCxnSpPr>
+          <p:cNvPr id="14" name="Straight Arrow Connector 13"/>
+          <p:cNvCxnSpPr>
+            <a:endCxn id="5" idx="0"/>
+          </p:cNvCxnSpPr>
+          <p:nvPr/>
+        </p:nvCxnSpPr>
+        <p:spPr>
+          <a:xfrm>
+            <a:off x="3536580" y="2285544"/>
+            <a:ext cx="0" cy="384528"/>
+          </a:xfrm>
+          <a:prstGeom prst="straightConnector1">
+            <a:avLst/>
+          </a:prstGeom>
+          <a:ln>
+            <a:headEnd type="arrow"/>
+            <a:tailEnd type="arrow"/>
+          </a:ln>
+        </p:spPr>
+        <p:style>
+          <a:lnRef idx="1">
+            <a:schemeClr val="dk1"/>
+          </a:lnRef>
+          <a:fillRef idx="0">
+            <a:schemeClr val="dk1"/>
+          </a:fillRef>
+          <a:effectRef idx="0">
+            <a:schemeClr val="dk1"/>
+          </a:effectRef>
+          <a:fontRef idx="minor">
+            <a:schemeClr val="tx1"/>
+          </a:fontRef>
+        </p:style>
+      </p:cxnSp>
+      <p:cxnSp>
+        <p:nvCxnSpPr>
+          <p:cNvPr id="16" name="Straight Arrow Connector 15"/>
+          <p:cNvCxnSpPr/>
+          <p:nvPr/>
+        </p:nvCxnSpPr>
+        <p:spPr>
+          <a:xfrm rot="16200000" flipH="1">
+            <a:off x="4212423" y="2513095"/>
+            <a:ext cx="439146" cy="2200482"/>
+          </a:xfrm>
+          <a:prstGeom prst="bentConnector3">
+            <a:avLst>
+              <a:gd name="adj1" fmla="val 50000"/>
+            </a:avLst>
+          </a:prstGeom>
+          <a:ln>
+            <a:solidFill>
+              <a:srgbClr val="1C82AF"/>
+            </a:solidFill>
+            <a:headEnd type="arrow"/>
+            <a:tailEnd type="arrow"/>
+          </a:ln>
+        </p:spPr>
+        <p:style>
+          <a:lnRef idx="1">
+            <a:schemeClr val="dk1"/>
+          </a:lnRef>
+          <a:fillRef idx="0">
+            <a:schemeClr val="dk1"/>
+          </a:fillRef>
+          <a:effectRef idx="0">
+            <a:schemeClr val="dk1"/>
+          </a:effectRef>
+          <a:fontRef idx="minor">
+            <a:schemeClr val="tx1"/>
+          </a:fontRef>
+        </p:style>
+      </p:cxnSp>
+      <p:cxnSp>
+        <p:nvCxnSpPr>
+          <p:cNvPr id="19" name="Straight Arrow Connector 18"/>
+          <p:cNvCxnSpPr>
+            <a:stCxn id="6" idx="2"/>
+            <a:endCxn id="8" idx="0"/>
+          </p:cNvCxnSpPr>
+          <p:nvPr/>
+        </p:nvCxnSpPr>
+        <p:spPr>
+          <a:xfrm>
+            <a:off x="5737062" y="3387126"/>
+            <a:ext cx="0" cy="445783"/>
+          </a:xfrm>
+          <a:prstGeom prst="straightConnector1">
+            <a:avLst/>
+          </a:prstGeom>
+          <a:ln>
+            <a:headEnd type="arrow"/>
+            <a:tailEnd type="arrow"/>
+          </a:ln>
+        </p:spPr>
+        <p:style>
+          <a:lnRef idx="1">
+            <a:schemeClr val="dk1"/>
+          </a:lnRef>
+          <a:fillRef idx="0">
+            <a:schemeClr val="dk1"/>
+          </a:fillRef>
+          <a:effectRef idx="0">
+            <a:schemeClr val="dk1"/>
+          </a:effectRef>
+          <a:fontRef idx="minor">
+            <a:schemeClr val="tx1"/>
+          </a:fontRef>
+        </p:style>
+      </p:cxnSp>
+      <p:cxnSp>
+        <p:nvCxnSpPr>
+          <p:cNvPr id="23" name="Straight Arrow Connector 22"/>
+          <p:cNvCxnSpPr/>
+          <p:nvPr/>
+        </p:nvCxnSpPr>
+        <p:spPr>
+          <a:xfrm>
+            <a:off x="4096451" y="4054700"/>
+            <a:ext cx="834942" cy="0"/>
+          </a:xfrm>
+          <a:prstGeom prst="straightConnector1">
+            <a:avLst/>
+          </a:prstGeom>
+          <a:ln>
+            <a:solidFill>
+              <a:schemeClr val="accent1"/>
+            </a:solidFill>
+            <a:headEnd type="arrow"/>
+            <a:tailEnd type="arrow"/>
+          </a:ln>
+        </p:spPr>
+        <p:style>
+          <a:lnRef idx="1">
+            <a:schemeClr val="dk1"/>
+          </a:lnRef>
+          <a:fillRef idx="0">
+            <a:schemeClr val="dk1"/>
+          </a:fillRef>
+          <a:effectRef idx="0">
+            <a:schemeClr val="dk1"/>
+          </a:effectRef>
+          <a:fontRef idx="minor">
+            <a:schemeClr val="tx1"/>
+          </a:fontRef>
+        </p:style>
+      </p:cxnSp>
+      <p:cxnSp>
+        <p:nvCxnSpPr>
+          <p:cNvPr id="26" name="Straight Arrow Connector 25"/>
+          <p:cNvCxnSpPr/>
+          <p:nvPr/>
+        </p:nvCxnSpPr>
+        <p:spPr>
+          <a:xfrm>
+            <a:off x="5384212" y="4556600"/>
+            <a:ext cx="0" cy="547472"/>
+          </a:xfrm>
+          <a:prstGeom prst="straightConnector1">
+            <a:avLst/>
+          </a:prstGeom>
+          <a:ln>
+            <a:solidFill>
+              <a:srgbClr val="1C82AF"/>
+            </a:solidFill>
+            <a:headEnd type="arrow"/>
+            <a:tailEnd type="arrow"/>
+          </a:ln>
+        </p:spPr>
+        <p:style>
+          <a:lnRef idx="1">
+            <a:schemeClr val="dk1"/>
+          </a:lnRef>
+          <a:fillRef idx="0">
+            <a:schemeClr val="dk1"/>
+          </a:fillRef>
+          <a:effectRef idx="0">
+            <a:schemeClr val="dk1"/>
+          </a:effectRef>
+          <a:fontRef idx="minor">
+            <a:schemeClr val="tx1"/>
+          </a:fontRef>
+        </p:style>
+      </p:cxnSp>
+      <p:cxnSp>
+        <p:nvCxnSpPr>
+          <p:cNvPr id="27" name="Straight Arrow Connector 26"/>
+          <p:cNvCxnSpPr/>
+          <p:nvPr/>
+        </p:nvCxnSpPr>
+        <p:spPr>
+          <a:xfrm>
+            <a:off x="6065020" y="4561419"/>
+            <a:ext cx="0" cy="542653"/>
+          </a:xfrm>
+          <a:prstGeom prst="straightConnector1">
+            <a:avLst/>
+          </a:prstGeom>
+          <a:ln>
+            <a:headEnd type="arrow"/>
+            <a:tailEnd type="arrow"/>
+          </a:ln>
+        </p:spPr>
+        <p:style>
+          <a:lnRef idx="1">
+            <a:schemeClr val="dk1"/>
+          </a:lnRef>
+          <a:fillRef idx="0">
+            <a:schemeClr val="dk1"/>
+          </a:fillRef>
+          <a:effectRef idx="0">
+            <a:schemeClr val="dk1"/>
+          </a:effectRef>
+          <a:fontRef idx="minor">
+            <a:schemeClr val="tx1"/>
+          </a:fontRef>
+        </p:style>
+      </p:cxnSp>
+      <p:cxnSp>
+        <p:nvCxnSpPr>
+          <p:cNvPr id="29" name="Straight Arrow Connector 28"/>
+          <p:cNvCxnSpPr>
+            <a:stCxn id="9" idx="2"/>
+          </p:cNvCxnSpPr>
+          <p:nvPr/>
+        </p:nvCxnSpPr>
+        <p:spPr>
+          <a:xfrm>
+            <a:off x="5737062" y="5472364"/>
+            <a:ext cx="0" cy="251595"/>
+          </a:xfrm>
+          <a:prstGeom prst="straightConnector1">
+            <a:avLst/>
+          </a:prstGeom>
+          <a:ln>
+            <a:headEnd type="arrow"/>
+            <a:tailEnd type="arrow"/>
+          </a:ln>
+        </p:spPr>
+        <p:style>
+          <a:lnRef idx="1">
+            <a:schemeClr val="dk1"/>
+          </a:lnRef>
+          <a:fillRef idx="0">
+            <a:schemeClr val="dk1"/>
+          </a:fillRef>
+          <a:effectRef idx="0">
+            <a:schemeClr val="dk1"/>
+          </a:effectRef>
+          <a:fontRef idx="minor">
+            <a:schemeClr val="tx1"/>
+          </a:fontRef>
+        </p:style>
+      </p:cxnSp>
+      <p:sp>
+        <p:nvSpPr>
+          <p:cNvPr id="30" name="TextBox 29"/>
           <p:cNvSpPr txBox="1"/>
           <p:nvPr/>
         </p:nvSpPr>
         <p:spPr>
           <a:xfrm>
-            <a:off x="1635072" y="2122954"/>
-            <a:ext cx="992579" cy="338554"/>
+            <a:off x="4420906" y="4643211"/>
+            <a:ext cx="1005403" cy="276999"/>
           </a:xfrm>
           <a:prstGeom prst="rect">
             <a:avLst/>
           </a:prstGeom>
-          <a:solidFill>
-            <a:schemeClr val="bg1"/>
-          </a:solidFill>
+          <a:noFill/>
         </p:spPr>
         <p:txBody>
           <a:bodyPr wrap="none" rtlCol="0">
@@ -9137,30 +9229,143 @@
           <a:lstStyle/>
           <a:p>
             <a:r>
-              <a:rPr lang="en-US" sz="1600" dirty="0" smtClean="0"/>
-              <a:t>STEADY</a:t>
-            </a:r>
-            <a:endParaRPr lang="en-US" sz="1600" dirty="0"/>
-          </a:p>
-        </p:txBody>
-      </p:sp>
-      <p:sp>
-        <p:nvSpPr>
-          <p:cNvPr id="7" name="TextBox 6"/>
+              <a:rPr lang="en-US" sz="1200" dirty="0" smtClean="0"/>
+              <a:t>Repair RTP</a:t>
+            </a:r>
+            <a:endParaRPr lang="en-US" sz="1200" dirty="0"/>
+          </a:p>
+        </p:txBody>
+      </p:sp>
+      <p:cxnSp>
+        <p:nvCxnSpPr>
+          <p:cNvPr id="33" name="Straight Arrow Connector 32"/>
+          <p:cNvCxnSpPr>
+            <a:stCxn id="10" idx="2"/>
+            <a:endCxn id="12" idx="0"/>
+          </p:cNvCxnSpPr>
+          <p:nvPr/>
+        </p:nvCxnSpPr>
+        <p:spPr>
+          <a:xfrm>
+            <a:off x="4772393" y="6087816"/>
+            <a:ext cx="1" cy="329300"/>
+          </a:xfrm>
+          <a:prstGeom prst="straightConnector1">
+            <a:avLst/>
+          </a:prstGeom>
+          <a:ln>
+            <a:headEnd type="arrow"/>
+            <a:tailEnd type="arrow"/>
+          </a:ln>
+        </p:spPr>
+        <p:style>
+          <a:lnRef idx="1">
+            <a:schemeClr val="dk1"/>
+          </a:lnRef>
+          <a:fillRef idx="0">
+            <a:schemeClr val="dk1"/>
+          </a:fillRef>
+          <a:effectRef idx="0">
+            <a:schemeClr val="dk1"/>
+          </a:effectRef>
+          <a:fontRef idx="minor">
+            <a:schemeClr val="tx1"/>
+          </a:fontRef>
+        </p:style>
+      </p:cxnSp>
+      <p:cxnSp>
+        <p:nvCxnSpPr>
+          <p:cNvPr id="38" name="Straight Arrow Connector 37"/>
+          <p:cNvCxnSpPr/>
+          <p:nvPr/>
+        </p:nvCxnSpPr>
+        <p:spPr>
+          <a:xfrm>
+            <a:off x="2992325" y="3393763"/>
+            <a:ext cx="0" cy="2330196"/>
+          </a:xfrm>
+          <a:prstGeom prst="straightConnector1">
+            <a:avLst/>
+          </a:prstGeom>
+          <a:ln>
+            <a:solidFill>
+              <a:srgbClr val="1C82AF"/>
+            </a:solidFill>
+            <a:headEnd type="arrow"/>
+            <a:tailEnd type="arrow"/>
+          </a:ln>
+        </p:spPr>
+        <p:style>
+          <a:lnRef idx="1">
+            <a:schemeClr val="dk1"/>
+          </a:lnRef>
+          <a:fillRef idx="0">
+            <a:schemeClr val="dk1"/>
+          </a:fillRef>
+          <a:effectRef idx="0">
+            <a:schemeClr val="dk1"/>
+          </a:effectRef>
+          <a:fontRef idx="minor">
+            <a:schemeClr val="tx1"/>
+          </a:fontRef>
+        </p:style>
+      </p:cxnSp>
+      <p:cxnSp>
+        <p:nvCxnSpPr>
+          <p:cNvPr id="45" name="Straight Arrow Connector 44"/>
+          <p:cNvCxnSpPr>
+            <a:stCxn id="8" idx="1"/>
+          </p:cNvCxnSpPr>
+          <p:nvPr/>
+        </p:nvCxnSpPr>
+        <p:spPr>
+          <a:xfrm rot="10800000" flipV="1">
+            <a:off x="2992325" y="4194754"/>
+            <a:ext cx="1939068" cy="969283"/>
+          </a:xfrm>
+          <a:prstGeom prst="bentConnector3">
+            <a:avLst>
+              <a:gd name="adj1" fmla="val 30986"/>
+            </a:avLst>
+          </a:prstGeom>
+          <a:ln>
+            <a:solidFill>
+              <a:srgbClr val="1C82AF"/>
+            </a:solidFill>
+            <a:headEnd type="arrow"/>
+            <a:tailEnd type="arrow"/>
+          </a:ln>
+        </p:spPr>
+        <p:style>
+          <a:lnRef idx="1">
+            <a:schemeClr val="dk1"/>
+          </a:lnRef>
+          <a:fillRef idx="0">
+            <a:schemeClr val="dk1"/>
+          </a:fillRef>
+          <a:effectRef idx="0">
+            <a:schemeClr val="dk1"/>
+          </a:effectRef>
+          <a:fontRef idx="minor">
+            <a:schemeClr val="tx1"/>
+          </a:fontRef>
+        </p:style>
+      </p:cxnSp>
+      <p:sp>
+        <p:nvSpPr>
+          <p:cNvPr id="55" name="TextBox 54"/>
           <p:cNvSpPr txBox="1"/>
           <p:nvPr/>
         </p:nvSpPr>
         <p:spPr>
           <a:xfrm>
-            <a:off x="6184512" y="2117997"/>
-            <a:ext cx="880651" cy="338554"/>
+            <a:off x="1904224" y="4827073"/>
+            <a:ext cx="1147698" cy="369332"/>
           </a:xfrm>
           <a:prstGeom prst="rect">
             <a:avLst/>
           </a:prstGeom>
-          <a:solidFill>
-            <a:schemeClr val="bg1"/>
-          </a:solidFill>
+          <a:noFill/>
         </p:spPr>
         <p:txBody>
           <a:bodyPr wrap="none" rtlCol="0">
@@ -9169,30 +9374,62 @@
           <a:lstStyle/>
           <a:p>
             <a:r>
-              <a:rPr lang="en-US" sz="1600" dirty="0" smtClean="0"/>
-              <a:t>PROBE</a:t>
-            </a:r>
-            <a:endParaRPr lang="en-US" sz="1600" dirty="0"/>
-          </a:p>
-        </p:txBody>
-      </p:sp>
-      <p:sp>
-        <p:nvSpPr>
-          <p:cNvPr id="9" name="TextBox 8"/>
+              <a:rPr lang="en-US" dirty="0" smtClean="0"/>
+              <a:t>RTCP FB</a:t>
+            </a:r>
+            <a:endParaRPr lang="en-US" dirty="0"/>
+          </a:p>
+        </p:txBody>
+      </p:sp>
+      <p:cxnSp>
+        <p:nvCxnSpPr>
+          <p:cNvPr id="64" name="Straight Arrow Connector 63"/>
+          <p:cNvCxnSpPr/>
+          <p:nvPr/>
+        </p:nvCxnSpPr>
+        <p:spPr>
+          <a:xfrm>
+            <a:off x="5846534" y="2267869"/>
+            <a:ext cx="0" cy="384528"/>
+          </a:xfrm>
+          <a:prstGeom prst="straightConnector1">
+            <a:avLst/>
+          </a:prstGeom>
+          <a:ln>
+            <a:headEnd type="arrow"/>
+            <a:tailEnd type="arrow"/>
+          </a:ln>
+        </p:spPr>
+        <p:style>
+          <a:lnRef idx="1">
+            <a:schemeClr val="dk1"/>
+          </a:lnRef>
+          <a:fillRef idx="0">
+            <a:schemeClr val="dk1"/>
+          </a:fillRef>
+          <a:effectRef idx="0">
+            <a:schemeClr val="dk1"/>
+          </a:effectRef>
+          <a:fontRef idx="minor">
+            <a:schemeClr val="tx1"/>
+          </a:fontRef>
+        </p:style>
+      </p:cxnSp>
+      <p:sp>
+        <p:nvSpPr>
+          <p:cNvPr id="65" name="TextBox 64"/>
           <p:cNvSpPr txBox="1"/>
           <p:nvPr/>
         </p:nvSpPr>
         <p:spPr>
-          <a:xfrm>
-            <a:off x="3890394" y="3258483"/>
-            <a:ext cx="992579" cy="276999"/>
+          <a:xfrm rot="5400000">
+            <a:off x="6258595" y="3949043"/>
+            <a:ext cx="1479892" cy="369332"/>
           </a:xfrm>
           <a:prstGeom prst="rect">
             <a:avLst/>
           </a:prstGeom>
-          <a:solidFill>
-            <a:schemeClr val="bg1"/>
-          </a:solidFill>
+          <a:noFill/>
         </p:spPr>
         <p:txBody>
           <a:bodyPr wrap="none" rtlCol="0">
@@ -9201,49 +9438,17 @@
           <a:lstStyle/>
           <a:p>
             <a:r>
-              <a:rPr lang="en-US" sz="1200" dirty="0" smtClean="0"/>
-              <a:t>DECREASE</a:t>
-            </a:r>
-            <a:endParaRPr lang="en-US" sz="1200" dirty="0"/>
-          </a:p>
-        </p:txBody>
-      </p:sp>
-      <p:sp>
-        <p:nvSpPr>
-          <p:cNvPr id="10" name="TextBox 9"/>
-          <p:cNvSpPr txBox="1"/>
-          <p:nvPr/>
-        </p:nvSpPr>
-        <p:spPr>
-          <a:xfrm>
-            <a:off x="3917704" y="5226939"/>
-            <a:ext cx="928459" cy="276999"/>
-          </a:xfrm>
-          <a:prstGeom prst="rect">
-            <a:avLst/>
-          </a:prstGeom>
-          <a:solidFill>
-            <a:schemeClr val="bg1"/>
-          </a:solidFill>
-        </p:spPr>
-        <p:txBody>
-          <a:bodyPr wrap="none" rtlCol="0">
-            <a:spAutoFit/>
-          </a:bodyPr>
-          <a:lstStyle/>
-          <a:p>
-            <a:r>
-              <a:rPr lang="en-US" sz="1200" dirty="0" smtClean="0"/>
-              <a:t>INCREASE</a:t>
-            </a:r>
-            <a:endParaRPr lang="en-US" sz="1200" dirty="0"/>
+              <a:rPr lang="en-US" dirty="0" smtClean="0"/>
+              <a:t>Source RTP</a:t>
+            </a:r>
+            <a:endParaRPr lang="en-US" dirty="0"/>
           </a:p>
         </p:txBody>
       </p:sp>
     </p:spTree>
     <p:extLst>
       <p:ext uri="{BB962C8B-B14F-4D97-AF65-F5344CB8AC3E}">
-        <p14:creationId xmlns:p14="http://schemas.microsoft.com/office/powerpoint/2010/main" val="3720040437"/>
+        <p14:creationId xmlns:p14="http://schemas.microsoft.com/office/powerpoint/2010/main" val="70391954"/>
       </p:ext>
     </p:extLst>
   </p:cSld>
@@ -9272,7 +9477,7 @@
       </p:grpSpPr>
       <p:sp>
         <p:nvSpPr>
-          <p:cNvPr id="3" name="Title 2"/>
+          <p:cNvPr id="2" name="Title 1"/>
           <p:cNvSpPr>
             <a:spLocks noGrp="1"/>
           </p:cNvSpPr>
@@ -9287,183 +9492,169 @@
           <a:p>
             <a:r>
               <a:rPr lang="en-US" dirty="0" smtClean="0"/>
-              <a:t>FEC Scheme</a:t>
+              <a:t>State Machine</a:t>
             </a:r>
             <a:endParaRPr lang="en-US" dirty="0"/>
           </a:p>
         </p:txBody>
       </p:sp>
-      <p:sp>
-        <p:nvSpPr>
-          <p:cNvPr id="4" name="Content Placeholder 3"/>
-          <p:cNvSpPr>
-            <a:spLocks noGrp="1"/>
-          </p:cNvSpPr>
+      <p:pic>
+        <p:nvPicPr>
+          <p:cNvPr id="4" name="Content Placeholder 3" descr="fec_theory_model.pdf"/>
+          <p:cNvPicPr>
+            <a:picLocks noGrp="1" noChangeAspect="1"/>
+          </p:cNvPicPr>
           <p:nvPr>
             <p:ph idx="1"/>
           </p:nvPr>
-        </p:nvSpPr>
+        </p:nvPicPr>
+        <p:blipFill>
+          <a:blip r:embed="rId2">
+            <a:extLst>
+              <a:ext uri="{28A0092B-C50C-407E-A947-70E740481C1C}">
+                <a14:useLocalDpi xmlns:a14="http://schemas.microsoft.com/office/drawing/2010/main" val="0"/>
+              </a:ext>
+            </a:extLst>
+          </a:blip>
+          <a:srcRect t="3465" b="3465"/>
+          <a:stretch>
+            <a:fillRect/>
+          </a:stretch>
+        </p:blipFill>
         <p:spPr/>
-        <p:txBody>
-          <a:bodyPr/>
-          <a:lstStyle/>
-          <a:p>
-            <a:r>
-              <a:rPr lang="en-US" dirty="0"/>
-              <a:t>Open </a:t>
-            </a:r>
-            <a:r>
-              <a:rPr lang="en-US" dirty="0" smtClean="0"/>
-              <a:t>Issue</a:t>
-            </a:r>
-          </a:p>
-          <a:p>
-            <a:pPr lvl="1"/>
-            <a:r>
-              <a:rPr lang="en-US" dirty="0" smtClean="0"/>
-              <a:t>Leave </a:t>
-            </a:r>
-            <a:r>
-              <a:rPr lang="en-US" dirty="0" smtClean="0"/>
-              <a:t>it open</a:t>
-            </a:r>
-            <a:r>
-              <a:rPr lang="en-US" dirty="0"/>
-              <a:t> </a:t>
-            </a:r>
-            <a:r>
-              <a:rPr lang="en-US" dirty="0" smtClean="0"/>
-              <a:t>i.e</a:t>
-            </a:r>
-            <a:r>
-              <a:rPr lang="en-US" dirty="0"/>
-              <a:t>.</a:t>
-            </a:r>
-            <a:r>
-              <a:rPr lang="en-US" dirty="0" smtClean="0"/>
-              <a:t>, </a:t>
-            </a:r>
-            <a:r>
-              <a:rPr lang="en-US" dirty="0" smtClean="0"/>
-              <a:t>generic</a:t>
-            </a:r>
-          </a:p>
-          <a:p>
-            <a:pPr lvl="1"/>
-            <a:endParaRPr lang="en-US" dirty="0" smtClean="0"/>
-          </a:p>
-          <a:p>
-            <a:pPr lvl="1"/>
-            <a:r>
-              <a:rPr lang="en-US" dirty="0" smtClean="0"/>
-              <a:t>Or, RF5109 (ULP), RFC6015 (1-d interleaved), parity, 1- or 2-d interleaved XOR, Reed-Solomon, </a:t>
-            </a:r>
-            <a:r>
-              <a:rPr lang="en-US" dirty="0" smtClean="0"/>
-              <a:t>…</a:t>
-            </a:r>
-          </a:p>
-          <a:p>
-            <a:pPr lvl="1"/>
-            <a:endParaRPr lang="en-US" dirty="0"/>
-          </a:p>
-          <a:p>
-            <a:pPr lvl="1"/>
-            <a:r>
-              <a:rPr lang="en-US" dirty="0" smtClean="0"/>
-              <a:t>There was discussion in RTCWEB on FEC Schemes.</a:t>
-            </a:r>
-            <a:endParaRPr lang="en-US" dirty="0" smtClean="0"/>
-          </a:p>
-          <a:p>
-            <a:pPr lvl="1"/>
-            <a:endParaRPr lang="en-US" dirty="0" smtClean="0"/>
-          </a:p>
-          <a:p>
-            <a:endParaRPr lang="en-US" dirty="0" smtClean="0"/>
-          </a:p>
-          <a:p>
-            <a:endParaRPr lang="en-US" dirty="0"/>
-          </a:p>
-        </p:txBody>
-      </p:sp>
-      <p:sp>
-        <p:nvSpPr>
-          <p:cNvPr id="2" name="Rectangle 1"/>
-          <p:cNvSpPr/>
-          <p:nvPr/>
-        </p:nvSpPr>
-        <p:spPr>
-          <a:xfrm>
-            <a:off x="1193568" y="6343982"/>
-            <a:ext cx="7950432" cy="523220"/>
+      </p:pic>
+      <p:sp>
+        <p:nvSpPr>
+          <p:cNvPr id="5" name="TextBox 4"/>
+          <p:cNvSpPr txBox="1"/>
+          <p:nvPr/>
+        </p:nvSpPr>
+        <p:spPr>
+          <a:xfrm>
+            <a:off x="1635072" y="2122954"/>
+            <a:ext cx="992579" cy="338554"/>
           </a:xfrm>
           <a:prstGeom prst="rect">
             <a:avLst/>
           </a:prstGeom>
-        </p:spPr>
-        <p:txBody>
-          <a:bodyPr wrap="square">
+          <a:solidFill>
+            <a:schemeClr val="bg1"/>
+          </a:solidFill>
+        </p:spPr>
+        <p:txBody>
+          <a:bodyPr wrap="none" rtlCol="0">
             <a:spAutoFit/>
           </a:bodyPr>
           <a:lstStyle/>
           <a:p>
             <a:r>
-              <a:rPr lang="en-US" sz="1400" dirty="0" smtClean="0"/>
-              <a:t>S, </a:t>
-            </a:r>
-            <a:r>
-              <a:rPr lang="en-US" sz="1400" dirty="0" err="1" smtClean="0"/>
-              <a:t>Holmer</a:t>
-            </a:r>
-            <a:r>
-              <a:rPr lang="en-US" sz="1400" dirty="0" smtClean="0"/>
-              <a:t>, et al., </a:t>
-            </a:r>
-            <a:r>
-              <a:rPr lang="en-US" sz="1400" dirty="0"/>
-              <a:t>"</a:t>
-            </a:r>
-            <a:r>
-              <a:rPr lang="en-US" sz="1400" b="1" dirty="0">
-                <a:latin typeface="Consolas"/>
-                <a:cs typeface="Consolas"/>
-              </a:rPr>
-              <a:t>Handling </a:t>
-            </a:r>
-            <a:r>
-              <a:rPr lang="en-US" sz="1400" b="1" dirty="0" smtClean="0">
-                <a:latin typeface="Consolas"/>
-                <a:cs typeface="Consolas"/>
-              </a:rPr>
-              <a:t>Packet Loss </a:t>
-            </a:r>
-            <a:r>
-              <a:rPr lang="en-US" sz="1400" b="1" dirty="0">
-                <a:latin typeface="Consolas"/>
-                <a:cs typeface="Consolas"/>
-              </a:rPr>
-              <a:t>in WebRTC</a:t>
-            </a:r>
-            <a:r>
-              <a:rPr lang="en-US" sz="1400" dirty="0"/>
-              <a:t>", Proc. of IEEE International Conference </a:t>
-            </a:r>
-            <a:r>
-              <a:rPr lang="en-US" sz="1400" dirty="0" smtClean="0"/>
-              <a:t>on Image </a:t>
-            </a:r>
-            <a:r>
-              <a:rPr lang="en-US" sz="1400" dirty="0"/>
-              <a:t>Processing (ICIP 2013) , 9 2013.</a:t>
-            </a:r>
+              <a:rPr lang="en-US" sz="1600" dirty="0" smtClean="0"/>
+              <a:t>STEADY</a:t>
+            </a:r>
+            <a:endParaRPr lang="en-US" sz="1600" dirty="0"/>
+          </a:p>
+        </p:txBody>
+      </p:sp>
+      <p:sp>
+        <p:nvSpPr>
+          <p:cNvPr id="7" name="TextBox 6"/>
+          <p:cNvSpPr txBox="1"/>
+          <p:nvPr/>
+        </p:nvSpPr>
+        <p:spPr>
+          <a:xfrm>
+            <a:off x="6184512" y="2117997"/>
+            <a:ext cx="880651" cy="338554"/>
+          </a:xfrm>
+          <a:prstGeom prst="rect">
+            <a:avLst/>
+          </a:prstGeom>
+          <a:solidFill>
+            <a:schemeClr val="bg1"/>
+          </a:solidFill>
+        </p:spPr>
+        <p:txBody>
+          <a:bodyPr wrap="none" rtlCol="0">
+            <a:spAutoFit/>
+          </a:bodyPr>
+          <a:lstStyle/>
+          <a:p>
+            <a:r>
+              <a:rPr lang="en-US" sz="1600" dirty="0" smtClean="0"/>
+              <a:t>PROBE</a:t>
+            </a:r>
+            <a:endParaRPr lang="en-US" sz="1600" dirty="0"/>
+          </a:p>
+        </p:txBody>
+      </p:sp>
+      <p:sp>
+        <p:nvSpPr>
+          <p:cNvPr id="9" name="TextBox 8"/>
+          <p:cNvSpPr txBox="1"/>
+          <p:nvPr/>
+        </p:nvSpPr>
+        <p:spPr>
+          <a:xfrm>
+            <a:off x="3890394" y="3258483"/>
+            <a:ext cx="992579" cy="276999"/>
+          </a:xfrm>
+          <a:prstGeom prst="rect">
+            <a:avLst/>
+          </a:prstGeom>
+          <a:solidFill>
+            <a:schemeClr val="bg1"/>
+          </a:solidFill>
+        </p:spPr>
+        <p:txBody>
+          <a:bodyPr wrap="none" rtlCol="0">
+            <a:spAutoFit/>
+          </a:bodyPr>
+          <a:lstStyle/>
+          <a:p>
+            <a:r>
+              <a:rPr lang="en-US" sz="1200" dirty="0" smtClean="0"/>
+              <a:t>DECREASE</a:t>
+            </a:r>
+            <a:endParaRPr lang="en-US" sz="1200" dirty="0"/>
+          </a:p>
+        </p:txBody>
+      </p:sp>
+      <p:sp>
+        <p:nvSpPr>
+          <p:cNvPr id="10" name="TextBox 9"/>
+          <p:cNvSpPr txBox="1"/>
+          <p:nvPr/>
+        </p:nvSpPr>
+        <p:spPr>
+          <a:xfrm>
+            <a:off x="3917704" y="5226939"/>
+            <a:ext cx="928459" cy="276999"/>
+          </a:xfrm>
+          <a:prstGeom prst="rect">
+            <a:avLst/>
+          </a:prstGeom>
+          <a:solidFill>
+            <a:schemeClr val="bg1"/>
+          </a:solidFill>
+        </p:spPr>
+        <p:txBody>
+          <a:bodyPr wrap="none" rtlCol="0">
+            <a:spAutoFit/>
+          </a:bodyPr>
+          <a:lstStyle/>
+          <a:p>
+            <a:r>
+              <a:rPr lang="en-US" sz="1200" dirty="0" smtClean="0"/>
+              <a:t>INCREASE</a:t>
+            </a:r>
+            <a:endParaRPr lang="en-US" sz="1200" dirty="0"/>
           </a:p>
         </p:txBody>
       </p:sp>
     </p:spTree>
     <p:extLst>
       <p:ext uri="{BB962C8B-B14F-4D97-AF65-F5344CB8AC3E}">
-        <p14:creationId xmlns:p14="http://schemas.microsoft.com/office/powerpoint/2010/main" val="3885883306"/>
+        <p14:creationId xmlns:p14="http://schemas.microsoft.com/office/powerpoint/2010/main" val="3720040437"/>
       </p:ext>
     </p:extLst>
   </p:cSld>
@@ -9492,7 +9683,7 @@
       </p:grpSpPr>
       <p:sp>
         <p:nvSpPr>
-          <p:cNvPr id="2" name="Title 1"/>
+          <p:cNvPr id="3" name="Title 2"/>
           <p:cNvSpPr>
             <a:spLocks noGrp="1"/>
           </p:cNvSpPr>
@@ -9507,7 +9698,7 @@
           <a:p>
             <a:r>
               <a:rPr lang="en-US" dirty="0" smtClean="0"/>
-              <a:t>RTCP Feedback</a:t>
+              <a:t>FEC Scheme</a:t>
             </a:r>
             <a:endParaRPr lang="en-US" dirty="0"/>
           </a:p>
@@ -9515,7 +9706,7 @@
       </p:sp>
       <p:sp>
         <p:nvSpPr>
-          <p:cNvPr id="3" name="Content Placeholder 2"/>
+          <p:cNvPr id="4" name="Content Placeholder 3"/>
           <p:cNvSpPr>
             <a:spLocks noGrp="1"/>
           </p:cNvSpPr>
@@ -9525,85 +9716,152 @@
         </p:nvSpPr>
         <p:spPr/>
         <p:txBody>
-          <a:bodyPr>
-            <a:normAutofit/>
+          <a:bodyPr/>
+          <a:lstStyle/>
+          <a:p>
+            <a:r>
+              <a:rPr lang="en-US" dirty="0"/>
+              <a:t>Open </a:t>
+            </a:r>
+            <a:r>
+              <a:rPr lang="en-US" dirty="0" smtClean="0"/>
+              <a:t>Issue</a:t>
+            </a:r>
+          </a:p>
+          <a:p>
+            <a:pPr lvl="1"/>
+            <a:r>
+              <a:rPr lang="en-US" dirty="0" smtClean="0"/>
+              <a:t>Leave it open</a:t>
+            </a:r>
+            <a:r>
+              <a:rPr lang="en-US" dirty="0"/>
+              <a:t> </a:t>
+            </a:r>
+            <a:r>
+              <a:rPr lang="en-US" dirty="0" smtClean="0"/>
+              <a:t>i.e</a:t>
+            </a:r>
+            <a:r>
+              <a:rPr lang="en-US" dirty="0"/>
+              <a:t>.</a:t>
+            </a:r>
+            <a:r>
+              <a:rPr lang="en-US" dirty="0" smtClean="0"/>
+              <a:t>, generic</a:t>
+            </a:r>
+          </a:p>
+          <a:p>
+            <a:pPr lvl="1"/>
+            <a:endParaRPr lang="en-US" dirty="0" smtClean="0"/>
+          </a:p>
+          <a:p>
+            <a:pPr lvl="1"/>
+            <a:r>
+              <a:rPr lang="en-US" dirty="0" smtClean="0"/>
+              <a:t>Or, RF5109 (ULP), RFC6015 (1-d interleaved), parity, 1- or 2-d interleaved XOR, Reed-Solomon, …</a:t>
+            </a:r>
+          </a:p>
+          <a:p>
+            <a:pPr lvl="1"/>
+            <a:endParaRPr lang="en-US" dirty="0"/>
+          </a:p>
+          <a:p>
+            <a:pPr lvl="1"/>
+            <a:r>
+              <a:rPr lang="en-US" dirty="0" smtClean="0"/>
+              <a:t>There was discussion in RTCWEB on FEC Schemes.</a:t>
+            </a:r>
+          </a:p>
+          <a:p>
+            <a:pPr lvl="1"/>
+            <a:endParaRPr lang="en-US" dirty="0" smtClean="0"/>
+          </a:p>
+          <a:p>
+            <a:endParaRPr lang="en-US" dirty="0" smtClean="0"/>
+          </a:p>
+          <a:p>
+            <a:endParaRPr lang="en-US" dirty="0"/>
+          </a:p>
+        </p:txBody>
+      </p:sp>
+      <p:sp>
+        <p:nvSpPr>
+          <p:cNvPr id="2" name="Rectangle 1"/>
+          <p:cNvSpPr/>
+          <p:nvPr/>
+        </p:nvSpPr>
+        <p:spPr>
+          <a:xfrm>
+            <a:off x="1193568" y="6343982"/>
+            <a:ext cx="7950432" cy="523220"/>
+          </a:xfrm>
+          <a:prstGeom prst="rect">
+            <a:avLst/>
+          </a:prstGeom>
+        </p:spPr>
+        <p:txBody>
+          <a:bodyPr wrap="square">
+            <a:spAutoFit/>
           </a:bodyPr>
           <a:lstStyle/>
           <a:p>
             <a:r>
-              <a:rPr lang="en-US" dirty="0" smtClean="0"/>
-              <a:t>RLE of Post-repair (RFC5725)</a:t>
-            </a:r>
-          </a:p>
-          <a:p>
-            <a:r>
-              <a:rPr lang="en-US" dirty="0" smtClean="0"/>
-              <a:t>RLE of loss packets (RFC3611)</a:t>
-            </a:r>
-          </a:p>
-          <a:p>
-            <a:r>
-              <a:rPr lang="en-US" dirty="0" smtClean="0"/>
-              <a:t>RLE of discarded packets (RFC7097)</a:t>
-            </a:r>
-          </a:p>
-          <a:p>
-            <a:endParaRPr lang="en-US" dirty="0" smtClean="0"/>
-          </a:p>
-          <a:p>
-            <a:endParaRPr lang="en-US" dirty="0"/>
-          </a:p>
-          <a:p>
-            <a:r>
-              <a:rPr lang="en-US" dirty="0"/>
-              <a:t>Packet count of </a:t>
-            </a:r>
-            <a:r>
-              <a:rPr lang="en-US" dirty="0" smtClean="0"/>
-              <a:t>lost and repaired </a:t>
-            </a:r>
-            <a:r>
-              <a:rPr lang="en-US" dirty="0"/>
-              <a:t>packets </a:t>
-            </a:r>
-            <a:endParaRPr lang="en-US" dirty="0" smtClean="0"/>
-          </a:p>
-          <a:p>
-            <a:pPr lvl="1"/>
-            <a:r>
-              <a:rPr lang="en-US" dirty="0" smtClean="0"/>
-              <a:t>(</a:t>
-            </a:r>
-            <a:r>
-              <a:rPr lang="en-US" dirty="0"/>
-              <a:t>draft-</a:t>
-            </a:r>
-            <a:r>
-              <a:rPr lang="en-US" dirty="0" err="1"/>
-              <a:t>ietf</a:t>
-            </a:r>
-            <a:r>
-              <a:rPr lang="en-US" dirty="0"/>
-              <a:t>-</a:t>
-            </a:r>
-            <a:r>
-              <a:rPr lang="en-US" dirty="0" err="1"/>
-              <a:t>xrblock</a:t>
-            </a:r>
-            <a:r>
-              <a:rPr lang="en-US" dirty="0"/>
-              <a:t>-post-loss-repair)</a:t>
-            </a:r>
-          </a:p>
-          <a:p>
-            <a:endParaRPr lang="en-US" dirty="0"/>
+              <a:rPr lang="en-US" sz="1400" dirty="0" smtClean="0"/>
+              <a:t>S, </a:t>
+            </a:r>
+            <a:r>
+              <a:rPr lang="en-US" sz="1400" dirty="0" err="1" smtClean="0"/>
+              <a:t>Holmer</a:t>
+            </a:r>
+            <a:r>
+              <a:rPr lang="en-US" sz="1400" dirty="0" smtClean="0"/>
+              <a:t>, et al., </a:t>
+            </a:r>
+            <a:r>
+              <a:rPr lang="en-US" sz="1400" dirty="0"/>
+              <a:t>"</a:t>
+            </a:r>
+            <a:r>
+              <a:rPr lang="en-US" sz="1400" b="1" dirty="0">
+                <a:latin typeface="Consolas"/>
+                <a:cs typeface="Consolas"/>
+              </a:rPr>
+              <a:t>Handling </a:t>
+            </a:r>
+            <a:r>
+              <a:rPr lang="en-US" sz="1400" b="1" dirty="0" smtClean="0">
+                <a:latin typeface="Consolas"/>
+                <a:cs typeface="Consolas"/>
+              </a:rPr>
+              <a:t>Packet Loss </a:t>
+            </a:r>
+            <a:r>
+              <a:rPr lang="en-US" sz="1400" b="1" dirty="0">
+                <a:latin typeface="Consolas"/>
+                <a:cs typeface="Consolas"/>
+              </a:rPr>
+              <a:t>in WebRTC</a:t>
+            </a:r>
+            <a:r>
+              <a:rPr lang="en-US" sz="1400" dirty="0"/>
+              <a:t>", Proc. of IEEE International Conference </a:t>
+            </a:r>
+            <a:r>
+              <a:rPr lang="en-US" sz="1400" dirty="0" smtClean="0"/>
+              <a:t>on Image </a:t>
+            </a:r>
+            <a:r>
+              <a:rPr lang="en-US" sz="1400" dirty="0"/>
+              <a:t>Processing (ICIP 2013) , 9 2013.</a:t>
+            </a:r>
           </a:p>
         </p:txBody>
       </p:sp>
     </p:spTree>
     <p:extLst>
       <p:ext uri="{BB962C8B-B14F-4D97-AF65-F5344CB8AC3E}">
-        <p14:creationId xmlns:p14="http://schemas.microsoft.com/office/powerpoint/2010/main" val="261599509"/>
+        <p14:creationId xmlns:p14="http://schemas.microsoft.com/office/powerpoint/2010/main" val="3885883306"/>
       </p:ext>
     </p:extLst>
   </p:cSld>
@@ -9647,7 +9905,7 @@
           <a:p>
             <a:r>
               <a:rPr lang="en-US" dirty="0" smtClean="0"/>
-              <a:t>Applicability</a:t>
+              <a:t>RTCP Feedback</a:t>
             </a:r>
             <a:endParaRPr lang="en-US" dirty="0"/>
           </a:p>
@@ -9665,116 +9923,85 @@
         </p:nvSpPr>
         <p:spPr/>
         <p:txBody>
-          <a:bodyPr/>
+          <a:bodyPr>
+            <a:normAutofit/>
+          </a:bodyPr>
           <a:lstStyle/>
           <a:p>
             <a:r>
               <a:rPr lang="en-US" dirty="0" smtClean="0"/>
-              <a:t>Implemented over a delay-based congestion control</a:t>
-            </a:r>
+              <a:t>RLE of Post-repair (RFC5725)</a:t>
+            </a:r>
+          </a:p>
+          <a:p>
+            <a:r>
+              <a:rPr lang="en-US" dirty="0" smtClean="0"/>
+              <a:t>RLE of loss packets (RFC3611)</a:t>
+            </a:r>
+          </a:p>
+          <a:p>
+            <a:r>
+              <a:rPr lang="en-US" dirty="0" smtClean="0"/>
+              <a:t>RLE of discarded packets (RFC7097)</a:t>
+            </a:r>
+          </a:p>
+          <a:p>
+            <a:endParaRPr lang="en-US" dirty="0" smtClean="0"/>
+          </a:p>
+          <a:p>
+            <a:endParaRPr lang="en-US" dirty="0"/>
+          </a:p>
+          <a:p>
+            <a:r>
+              <a:rPr lang="en-US" dirty="0"/>
+              <a:t>Packet count of </a:t>
+            </a:r>
+            <a:r>
+              <a:rPr lang="en-US" dirty="0" smtClean="0"/>
+              <a:t>lost and repaired </a:t>
+            </a:r>
+            <a:r>
+              <a:rPr lang="en-US" dirty="0"/>
+              <a:t>packets </a:t>
+            </a:r>
+            <a:endParaRPr lang="en-US" dirty="0" smtClean="0"/>
           </a:p>
           <a:p>
             <a:pPr lvl="1"/>
             <a:r>
               <a:rPr lang="en-US" dirty="0" smtClean="0"/>
-              <a:t>See paper for details</a:t>
+              <a:t>(</a:t>
+            </a:r>
+            <a:r>
+              <a:rPr lang="en-US" dirty="0"/>
+              <a:t>draft-</a:t>
+            </a:r>
+            <a:r>
+              <a:rPr lang="en-US" dirty="0" err="1"/>
+              <a:t>ietf</a:t>
+            </a:r>
+            <a:r>
+              <a:rPr lang="en-US" dirty="0"/>
+              <a:t>-</a:t>
+            </a:r>
+            <a:r>
+              <a:rPr lang="en-US" dirty="0" err="1"/>
+              <a:t>xrblock</a:t>
+            </a:r>
+            <a:r>
+              <a:rPr lang="en-US" dirty="0"/>
+              <a:t>-post-loss-repair)</a:t>
             </a:r>
           </a:p>
           <a:p>
             <a:endParaRPr lang="en-US" dirty="0"/>
-          </a:p>
-          <a:p>
-            <a:r>
-              <a:rPr lang="en-US" dirty="0" smtClean="0"/>
-              <a:t>However would like to generalize it.</a:t>
-            </a:r>
-          </a:p>
-          <a:p>
-            <a:pPr lvl="1"/>
-            <a:r>
-              <a:rPr lang="en-US" dirty="0" smtClean="0"/>
-              <a:t>Apply to </a:t>
-            </a:r>
-            <a:r>
-              <a:rPr lang="en-US" dirty="0" err="1" smtClean="0"/>
-              <a:t>SCReAM</a:t>
-            </a:r>
-            <a:r>
-              <a:rPr lang="en-US" dirty="0" smtClean="0"/>
-              <a:t>, GCC, …</a:t>
-            </a:r>
-            <a:endParaRPr lang="en-US" dirty="0"/>
-          </a:p>
-        </p:txBody>
-      </p:sp>
-      <p:sp>
-        <p:nvSpPr>
-          <p:cNvPr id="4" name="Rectangle 3"/>
-          <p:cNvSpPr/>
-          <p:nvPr/>
-        </p:nvSpPr>
-        <p:spPr>
-          <a:xfrm>
-            <a:off x="1126315" y="6366271"/>
-            <a:ext cx="8017685" cy="461665"/>
-          </a:xfrm>
-          <a:prstGeom prst="rect">
-            <a:avLst/>
-          </a:prstGeom>
-        </p:spPr>
-        <p:txBody>
-          <a:bodyPr wrap="square">
-            <a:spAutoFit/>
-          </a:bodyPr>
-          <a:lstStyle/>
-          <a:p>
-            <a:pPr lvl="1"/>
-            <a:r>
-              <a:rPr lang="en-US" sz="1200" dirty="0"/>
-              <a:t>Nagy M., Singh V., </a:t>
-            </a:r>
-            <a:r>
-              <a:rPr lang="en-US" sz="1200" dirty="0" err="1"/>
-              <a:t>Ott</a:t>
-            </a:r>
-            <a:r>
-              <a:rPr lang="en-US" sz="1200" dirty="0"/>
-              <a:t> J., </a:t>
-            </a:r>
-            <a:r>
-              <a:rPr lang="en-US" sz="1200" dirty="0" err="1"/>
-              <a:t>Eggert</a:t>
-            </a:r>
-            <a:r>
-              <a:rPr lang="en-US" sz="1200" dirty="0"/>
-              <a:t> L., </a:t>
-            </a:r>
-            <a:r>
-              <a:rPr lang="en-US" sz="1200" dirty="0">
-                <a:latin typeface="Consolas"/>
-                <a:cs typeface="Consolas"/>
-              </a:rPr>
-              <a:t>Congestion Control using FEC for Conversational </a:t>
-            </a:r>
-            <a:r>
-              <a:rPr lang="en-US" sz="1200" dirty="0" smtClean="0">
-                <a:latin typeface="Consolas"/>
-                <a:cs typeface="Consolas"/>
-              </a:rPr>
-              <a:t>Multimedia Communication</a:t>
-            </a:r>
-            <a:r>
-              <a:rPr lang="en-US" sz="1200" dirty="0"/>
-              <a:t>, Proc. of ACM Multimedia Systems, Singapore, SG, Mar, 2014,</a:t>
-            </a:r>
-            <a:endParaRPr lang="en-US" sz="1400" dirty="0"/>
           </a:p>
         </p:txBody>
       </p:sp>
     </p:spTree>
     <p:extLst>
       <p:ext uri="{BB962C8B-B14F-4D97-AF65-F5344CB8AC3E}">
-        <p14:creationId xmlns:p14="http://schemas.microsoft.com/office/powerpoint/2010/main" val="1187535467"/>
+        <p14:creationId xmlns:p14="http://schemas.microsoft.com/office/powerpoint/2010/main" val="261599509"/>
       </p:ext>
     </p:extLst>
   </p:cSld>
